--- a/frontend/app-design-screens.pptx
+++ b/frontend/app-design-screens.pptx
@@ -210,7 +210,7 @@
           <a:p>
             <a:fld id="{746F6264-D88C-4D43-AA43-971C63B1FB77}" type="datetimeFigureOut">
               <a:rPr lang="en-US"/>
-              <a:t>7/12/17</a:t>
+              <a:t>8/7/17</a:t>
             </a:fld>
             <a:endParaRPr lang="en-US"/>
           </a:p>
@@ -1194,7 +1194,7 @@
           <a:p>
             <a:fld id="{4DAB0186-BF5B-4200-80B5-CB8C3EBE7498}" type="datetimeFigureOut">
               <a:rPr lang="en-US" smtClean="0"/>
-              <a:t>7/12/17</a:t>
+              <a:t>8/7/17</a:t>
             </a:fld>
             <a:endParaRPr lang="en-US"/>
           </a:p>
@@ -1362,7 +1362,7 @@
           <a:p>
             <a:fld id="{4DAB0186-BF5B-4200-80B5-CB8C3EBE7498}" type="datetimeFigureOut">
               <a:rPr lang="en-US" smtClean="0"/>
-              <a:t>7/12/17</a:t>
+              <a:t>8/7/17</a:t>
             </a:fld>
             <a:endParaRPr lang="en-US"/>
           </a:p>
@@ -1540,7 +1540,7 @@
           <a:p>
             <a:fld id="{4DAB0186-BF5B-4200-80B5-CB8C3EBE7498}" type="datetimeFigureOut">
               <a:rPr lang="en-US" smtClean="0"/>
-              <a:t>7/12/17</a:t>
+              <a:t>8/7/17</a:t>
             </a:fld>
             <a:endParaRPr lang="en-US"/>
           </a:p>
@@ -1708,7 +1708,7 @@
           <a:p>
             <a:fld id="{4DAB0186-BF5B-4200-80B5-CB8C3EBE7498}" type="datetimeFigureOut">
               <a:rPr lang="en-US" smtClean="0"/>
-              <a:t>7/12/17</a:t>
+              <a:t>8/7/17</a:t>
             </a:fld>
             <a:endParaRPr lang="en-US"/>
           </a:p>
@@ -1953,7 +1953,7 @@
           <a:p>
             <a:fld id="{4DAB0186-BF5B-4200-80B5-CB8C3EBE7498}" type="datetimeFigureOut">
               <a:rPr lang="en-US" smtClean="0"/>
-              <a:t>7/12/17</a:t>
+              <a:t>8/7/17</a:t>
             </a:fld>
             <a:endParaRPr lang="en-US"/>
           </a:p>
@@ -2182,7 +2182,7 @@
           <a:p>
             <a:fld id="{4DAB0186-BF5B-4200-80B5-CB8C3EBE7498}" type="datetimeFigureOut">
               <a:rPr lang="en-US" smtClean="0"/>
-              <a:t>7/12/17</a:t>
+              <a:t>8/7/17</a:t>
             </a:fld>
             <a:endParaRPr lang="en-US"/>
           </a:p>
@@ -2546,7 +2546,7 @@
           <a:p>
             <a:fld id="{4DAB0186-BF5B-4200-80B5-CB8C3EBE7498}" type="datetimeFigureOut">
               <a:rPr lang="en-US" smtClean="0"/>
-              <a:t>7/12/17</a:t>
+              <a:t>8/7/17</a:t>
             </a:fld>
             <a:endParaRPr lang="en-US"/>
           </a:p>
@@ -2663,7 +2663,7 @@
           <a:p>
             <a:fld id="{4DAB0186-BF5B-4200-80B5-CB8C3EBE7498}" type="datetimeFigureOut">
               <a:rPr lang="en-US" smtClean="0"/>
-              <a:t>7/12/17</a:t>
+              <a:t>8/7/17</a:t>
             </a:fld>
             <a:endParaRPr lang="en-US"/>
           </a:p>
@@ -2758,7 +2758,7 @@
           <a:p>
             <a:fld id="{4DAB0186-BF5B-4200-80B5-CB8C3EBE7498}" type="datetimeFigureOut">
               <a:rPr lang="en-US" smtClean="0"/>
-              <a:t>7/12/17</a:t>
+              <a:t>8/7/17</a:t>
             </a:fld>
             <a:endParaRPr lang="en-US"/>
           </a:p>
@@ -3033,7 +3033,7 @@
           <a:p>
             <a:fld id="{4DAB0186-BF5B-4200-80B5-CB8C3EBE7498}" type="datetimeFigureOut">
               <a:rPr lang="en-US" smtClean="0"/>
-              <a:t>7/12/17</a:t>
+              <a:t>8/7/17</a:t>
             </a:fld>
             <a:endParaRPr lang="en-US"/>
           </a:p>
@@ -3285,7 +3285,7 @@
           <a:p>
             <a:fld id="{4DAB0186-BF5B-4200-80B5-CB8C3EBE7498}" type="datetimeFigureOut">
               <a:rPr lang="en-US" smtClean="0"/>
-              <a:t>7/12/17</a:t>
+              <a:t>8/7/17</a:t>
             </a:fld>
             <a:endParaRPr lang="en-US"/>
           </a:p>
@@ -3496,7 +3496,7 @@
           <a:p>
             <a:fld id="{4DAB0186-BF5B-4200-80B5-CB8C3EBE7498}" type="datetimeFigureOut">
               <a:rPr lang="en-US" smtClean="0"/>
-              <a:t>7/12/17</a:t>
+              <a:t>8/7/17</a:t>
             </a:fld>
             <a:endParaRPr lang="en-US"/>
           </a:p>
@@ -4878,33 +4878,14 @@
         </p:blipFill>
         <p:spPr>
           <a:xfrm>
-            <a:off x="2735514" y="1781175"/>
-            <a:ext cx="6713947" cy="4351338"/>
+            <a:off x="748146" y="493152"/>
+            <a:ext cx="9690264" cy="6280301"/>
           </a:xfrm>
           <a:prstGeom prst="rect">
             <a:avLst/>
           </a:prstGeom>
         </p:spPr>
       </p:pic>
-      <p:sp>
-        <p:nvSpPr>
-          <p:cNvPr id="2" name="Title 1"/>
-          <p:cNvSpPr>
-            <a:spLocks noGrp="1"/>
-          </p:cNvSpPr>
-          <p:nvPr>
-            <p:ph type="title"/>
-          </p:nvPr>
-        </p:nvSpPr>
-        <p:spPr/>
-        <p:txBody>
-          <a:bodyPr/>
-          <a:lstStyle/>
-          <a:p>
-            <a:endParaRPr lang="en-US"/>
-          </a:p>
-        </p:txBody>
-      </p:sp>
       <p:sp>
         <p:nvSpPr>
           <p:cNvPr id="9" name="Oval 8"/>
@@ -5252,7 +5233,135 @@
         </p:nvSpPr>
         <p:spPr>
           <a:xfrm>
-            <a:off x="5110359" y="3923514"/>
+            <a:off x="4341360" y="3825008"/>
+            <a:ext cx="943678" cy="980623"/>
+          </a:xfrm>
+          <a:prstGeom prst="ellipse">
+            <a:avLst/>
+          </a:prstGeom>
+          <a:solidFill>
+            <a:schemeClr val="accent4">
+              <a:lumMod val="40000"/>
+              <a:lumOff val="60000"/>
+              <a:alpha val="36000"/>
+            </a:schemeClr>
+          </a:solidFill>
+          <a:ln w="25400">
+            <a:solidFill>
+              <a:srgbClr val="FF0000"/>
+            </a:solidFill>
+          </a:ln>
+        </p:spPr>
+        <p:style>
+          <a:lnRef idx="2">
+            <a:schemeClr val="accent1">
+              <a:shade val="50000"/>
+            </a:schemeClr>
+          </a:lnRef>
+          <a:fillRef idx="1">
+            <a:schemeClr val="accent1"/>
+          </a:fillRef>
+          <a:effectRef idx="0">
+            <a:schemeClr val="accent1"/>
+          </a:effectRef>
+          <a:fontRef idx="minor">
+            <a:schemeClr val="lt1"/>
+          </a:fontRef>
+        </p:style>
+        <p:txBody>
+          <a:bodyPr rtlCol="0" anchor="ctr"/>
+          <a:lstStyle/>
+          <a:p>
+            <a:pPr algn="ctr"/>
+            <a:r>
+              <a:rPr lang="en-US" sz="4800" dirty="0" smtClean="0">
+                <a:solidFill>
+                  <a:srgbClr val="FF0000"/>
+                </a:solidFill>
+              </a:rPr>
+              <a:t>X</a:t>
+            </a:r>
+            <a:endParaRPr lang="en-US" sz="4800" dirty="0">
+              <a:solidFill>
+                <a:srgbClr val="FF0000"/>
+              </a:solidFill>
+            </a:endParaRPr>
+          </a:p>
+        </p:txBody>
+      </p:sp>
+      <p:sp>
+        <p:nvSpPr>
+          <p:cNvPr id="16" name="Oval 15"/>
+          <p:cNvSpPr/>
+          <p:nvPr/>
+        </p:nvSpPr>
+        <p:spPr>
+          <a:xfrm>
+            <a:off x="3223100" y="3801499"/>
+            <a:ext cx="943678" cy="980623"/>
+          </a:xfrm>
+          <a:prstGeom prst="ellipse">
+            <a:avLst/>
+          </a:prstGeom>
+          <a:solidFill>
+            <a:schemeClr val="accent4">
+              <a:lumMod val="40000"/>
+              <a:lumOff val="60000"/>
+              <a:alpha val="36000"/>
+            </a:schemeClr>
+          </a:solidFill>
+          <a:ln w="25400">
+            <a:solidFill>
+              <a:srgbClr val="FF0000"/>
+            </a:solidFill>
+          </a:ln>
+        </p:spPr>
+        <p:style>
+          <a:lnRef idx="2">
+            <a:schemeClr val="accent1">
+              <a:shade val="50000"/>
+            </a:schemeClr>
+          </a:lnRef>
+          <a:fillRef idx="1">
+            <a:schemeClr val="accent1"/>
+          </a:fillRef>
+          <a:effectRef idx="0">
+            <a:schemeClr val="accent1"/>
+          </a:effectRef>
+          <a:fontRef idx="minor">
+            <a:schemeClr val="lt1"/>
+          </a:fontRef>
+        </p:style>
+        <p:txBody>
+          <a:bodyPr rtlCol="0" anchor="ctr"/>
+          <a:lstStyle/>
+          <a:p>
+            <a:pPr algn="ctr"/>
+            <a:r>
+              <a:rPr lang="en-US" sz="4800" dirty="0" smtClean="0">
+                <a:solidFill>
+                  <a:srgbClr val="FF0000"/>
+                </a:solidFill>
+              </a:rPr>
+              <a:t>X</a:t>
+            </a:r>
+            <a:endParaRPr lang="en-US" sz="4800" dirty="0">
+              <a:solidFill>
+                <a:srgbClr val="FF0000"/>
+              </a:solidFill>
+            </a:endParaRPr>
+          </a:p>
+        </p:txBody>
+      </p:sp>
+      <p:sp>
+        <p:nvSpPr>
+          <p:cNvPr id="17" name="Oval 16"/>
+          <p:cNvSpPr/>
+          <p:nvPr/>
+        </p:nvSpPr>
+        <p:spPr>
+          <a:xfrm>
+            <a:off x="2104840" y="3763584"/>
             <a:ext cx="943678" cy="980623"/>
           </a:xfrm>
           <a:prstGeom prst="ellipse">
@@ -6282,8 +6391,8 @@
             <a:p>
               <a:pPr algn="ctr"/>
               <a:r>
-                <a:rPr lang="en-US" sz="1400" dirty="0" err="1" smtClean="0"/>
-                <a:t>DynamoDB</a:t>
+                <a:rPr lang="en-US" sz="1400" dirty="0" smtClean="0"/>
+                <a:t>MySQL</a:t>
               </a:r>
               <a:endParaRPr lang="en-US" sz="1400" dirty="0"/>
             </a:p>
@@ -6474,14 +6583,6 @@
               </a:rPr>
               <a:t>4</a:t>
             </a:r>
-            <a:endParaRPr lang="en-US" sz="1100" b="1" dirty="0">
-              <a:solidFill>
-                <a:srgbClr val="FF0000"/>
-              </a:solidFill>
-              <a:latin typeface="Bradley Hand" charset="0"/>
-              <a:ea typeface="Bradley Hand" charset="0"/>
-              <a:cs typeface="Bradley Hand" charset="0"/>
-            </a:endParaRPr>
           </a:p>
         </p:txBody>
       </p:sp>

--- a/frontend/app-design-screens.pptx
+++ b/frontend/app-design-screens.pptx
@@ -5,23 +5,24 @@
     <p:sldMasterId id="2147483648" r:id="rId4"/>
   </p:sldMasterIdLst>
   <p:notesMasterIdLst>
-    <p:notesMasterId r:id="rId19"/>
+    <p:notesMasterId r:id="rId20"/>
   </p:notesMasterIdLst>
   <p:sldIdLst>
     <p:sldId id="256" r:id="rId5"/>
     <p:sldId id="262" r:id="rId6"/>
     <p:sldId id="270" r:id="rId7"/>
-    <p:sldId id="257" r:id="rId8"/>
-    <p:sldId id="258" r:id="rId9"/>
-    <p:sldId id="260" r:id="rId10"/>
-    <p:sldId id="261" r:id="rId11"/>
-    <p:sldId id="263" r:id="rId12"/>
-    <p:sldId id="264" r:id="rId13"/>
-    <p:sldId id="265" r:id="rId14"/>
-    <p:sldId id="266" r:id="rId15"/>
-    <p:sldId id="267" r:id="rId16"/>
-    <p:sldId id="268" r:id="rId17"/>
-    <p:sldId id="269" r:id="rId18"/>
+    <p:sldId id="271" r:id="rId8"/>
+    <p:sldId id="257" r:id="rId9"/>
+    <p:sldId id="258" r:id="rId10"/>
+    <p:sldId id="260" r:id="rId11"/>
+    <p:sldId id="261" r:id="rId12"/>
+    <p:sldId id="263" r:id="rId13"/>
+    <p:sldId id="264" r:id="rId14"/>
+    <p:sldId id="265" r:id="rId15"/>
+    <p:sldId id="266" r:id="rId16"/>
+    <p:sldId id="267" r:id="rId17"/>
+    <p:sldId id="268" r:id="rId18"/>
+    <p:sldId id="269" r:id="rId19"/>
   </p:sldIdLst>
   <p:sldSz cx="12192000" cy="6858000"/>
   <p:notesSz cx="6858000" cy="9144000"/>
@@ -210,7 +211,7 @@
           <a:p>
             <a:fld id="{746F6264-D88C-4D43-AA43-971C63B1FB77}" type="datetimeFigureOut">
               <a:rPr lang="en-US"/>
-              <a:t>8/7/17</a:t>
+              <a:t>8/16/17</a:t>
             </a:fld>
             <a:endParaRPr lang="en-US"/>
           </a:p>
@@ -626,7 +627,7 @@
           <a:p>
             <a:fld id="{256BC15C-8218-4252-85FB-A49F74E9B471}" type="slidenum">
               <a:rPr lang="en-US"/>
-              <a:t>8</a:t>
+              <a:t>9</a:t>
             </a:fld>
             <a:endParaRPr lang="en-US"/>
           </a:p>
@@ -710,7 +711,7 @@
           <a:p>
             <a:fld id="{256BC15C-8218-4252-85FB-A49F74E9B471}" type="slidenum">
               <a:rPr lang="en-US"/>
-              <a:t>9</a:t>
+              <a:t>10</a:t>
             </a:fld>
             <a:endParaRPr lang="en-US"/>
           </a:p>
@@ -794,7 +795,7 @@
           <a:p>
             <a:fld id="{256BC15C-8218-4252-85FB-A49F74E9B471}" type="slidenum">
               <a:rPr lang="en-US"/>
-              <a:t>10</a:t>
+              <a:t>11</a:t>
             </a:fld>
             <a:endParaRPr lang="en-US"/>
           </a:p>
@@ -878,7 +879,7 @@
           <a:p>
             <a:fld id="{256BC15C-8218-4252-85FB-A49F74E9B471}" type="slidenum">
               <a:rPr lang="en-US"/>
-              <a:t>11</a:t>
+              <a:t>12</a:t>
             </a:fld>
             <a:endParaRPr lang="en-US"/>
           </a:p>
@@ -962,7 +963,7 @@
           <a:p>
             <a:fld id="{256BC15C-8218-4252-85FB-A49F74E9B471}" type="slidenum">
               <a:rPr lang="en-US"/>
-              <a:t>12</a:t>
+              <a:t>13</a:t>
             </a:fld>
             <a:endParaRPr lang="en-US"/>
           </a:p>
@@ -1046,7 +1047,7 @@
           <a:p>
             <a:fld id="{256BC15C-8218-4252-85FB-A49F74E9B471}" type="slidenum">
               <a:rPr lang="en-US"/>
-              <a:t>13</a:t>
+              <a:t>14</a:t>
             </a:fld>
             <a:endParaRPr lang="en-US"/>
           </a:p>
@@ -1194,7 +1195,7 @@
           <a:p>
             <a:fld id="{4DAB0186-BF5B-4200-80B5-CB8C3EBE7498}" type="datetimeFigureOut">
               <a:rPr lang="en-US" smtClean="0"/>
-              <a:t>8/7/17</a:t>
+              <a:t>8/16/17</a:t>
             </a:fld>
             <a:endParaRPr lang="en-US"/>
           </a:p>
@@ -1362,7 +1363,7 @@
           <a:p>
             <a:fld id="{4DAB0186-BF5B-4200-80B5-CB8C3EBE7498}" type="datetimeFigureOut">
               <a:rPr lang="en-US" smtClean="0"/>
-              <a:t>8/7/17</a:t>
+              <a:t>8/16/17</a:t>
             </a:fld>
             <a:endParaRPr lang="en-US"/>
           </a:p>
@@ -1540,7 +1541,7 @@
           <a:p>
             <a:fld id="{4DAB0186-BF5B-4200-80B5-CB8C3EBE7498}" type="datetimeFigureOut">
               <a:rPr lang="en-US" smtClean="0"/>
-              <a:t>8/7/17</a:t>
+              <a:t>8/16/17</a:t>
             </a:fld>
             <a:endParaRPr lang="en-US"/>
           </a:p>
@@ -1708,7 +1709,7 @@
           <a:p>
             <a:fld id="{4DAB0186-BF5B-4200-80B5-CB8C3EBE7498}" type="datetimeFigureOut">
               <a:rPr lang="en-US" smtClean="0"/>
-              <a:t>8/7/17</a:t>
+              <a:t>8/16/17</a:t>
             </a:fld>
             <a:endParaRPr lang="en-US"/>
           </a:p>
@@ -1953,7 +1954,7 @@
           <a:p>
             <a:fld id="{4DAB0186-BF5B-4200-80B5-CB8C3EBE7498}" type="datetimeFigureOut">
               <a:rPr lang="en-US" smtClean="0"/>
-              <a:t>8/7/17</a:t>
+              <a:t>8/16/17</a:t>
             </a:fld>
             <a:endParaRPr lang="en-US"/>
           </a:p>
@@ -2182,7 +2183,7 @@
           <a:p>
             <a:fld id="{4DAB0186-BF5B-4200-80B5-CB8C3EBE7498}" type="datetimeFigureOut">
               <a:rPr lang="en-US" smtClean="0"/>
-              <a:t>8/7/17</a:t>
+              <a:t>8/16/17</a:t>
             </a:fld>
             <a:endParaRPr lang="en-US"/>
           </a:p>
@@ -2546,7 +2547,7 @@
           <a:p>
             <a:fld id="{4DAB0186-BF5B-4200-80B5-CB8C3EBE7498}" type="datetimeFigureOut">
               <a:rPr lang="en-US" smtClean="0"/>
-              <a:t>8/7/17</a:t>
+              <a:t>8/16/17</a:t>
             </a:fld>
             <a:endParaRPr lang="en-US"/>
           </a:p>
@@ -2663,7 +2664,7 @@
           <a:p>
             <a:fld id="{4DAB0186-BF5B-4200-80B5-CB8C3EBE7498}" type="datetimeFigureOut">
               <a:rPr lang="en-US" smtClean="0"/>
-              <a:t>8/7/17</a:t>
+              <a:t>8/16/17</a:t>
             </a:fld>
             <a:endParaRPr lang="en-US"/>
           </a:p>
@@ -2758,7 +2759,7 @@
           <a:p>
             <a:fld id="{4DAB0186-BF5B-4200-80B5-CB8C3EBE7498}" type="datetimeFigureOut">
               <a:rPr lang="en-US" smtClean="0"/>
-              <a:t>8/7/17</a:t>
+              <a:t>8/16/17</a:t>
             </a:fld>
             <a:endParaRPr lang="en-US"/>
           </a:p>
@@ -3033,7 +3034,7 @@
           <a:p>
             <a:fld id="{4DAB0186-BF5B-4200-80B5-CB8C3EBE7498}" type="datetimeFigureOut">
               <a:rPr lang="en-US" smtClean="0"/>
-              <a:t>8/7/17</a:t>
+              <a:t>8/16/17</a:t>
             </a:fld>
             <a:endParaRPr lang="en-US"/>
           </a:p>
@@ -3285,7 +3286,7 @@
           <a:p>
             <a:fld id="{4DAB0186-BF5B-4200-80B5-CB8C3EBE7498}" type="datetimeFigureOut">
               <a:rPr lang="en-US" smtClean="0"/>
-              <a:t>8/7/17</a:t>
+              <a:t>8/16/17</a:t>
             </a:fld>
             <a:endParaRPr lang="en-US"/>
           </a:p>
@@ -3496,7 +3497,7 @@
           <a:p>
             <a:fld id="{4DAB0186-BF5B-4200-80B5-CB8C3EBE7498}" type="datetimeFigureOut">
               <a:rPr lang="en-US" smtClean="0"/>
-              <a:t>8/7/17</a:t>
+              <a:t>8/16/17</a:t>
             </a:fld>
             <a:endParaRPr lang="en-US"/>
           </a:p>
@@ -3983,6 +3984,13 @@
   <p:clrMapOvr>
     <a:masterClrMapping/>
   </p:clrMapOvr>
+  <p:timing>
+    <p:tnLst>
+      <p:par>
+        <p:cTn id="1" dur="indefinite" restart="never" nodeType="tmRoot"/>
+      </p:par>
+    </p:tnLst>
+  </p:timing>
 </p:sld>
 </file>
 
@@ -4020,8 +4028,14 @@
           <a:p>
             <a:r>
               <a:rPr lang="en-US"/>
-              <a:t>6. 2/5</a:t>
-            </a:r>
+              <a:t>6. 1/5  </a:t>
+            </a:r>
+            <a:endParaRPr lang="en-US">
+              <a:solidFill>
+                <a:srgbClr val="000000"/>
+              </a:solidFill>
+              <a:latin typeface="Calibri Light"/>
+            </a:endParaRPr>
           </a:p>
         </p:txBody>
       </p:sp>
@@ -4043,8 +4057,8 @@
         </p:blipFill>
         <p:spPr>
           <a:xfrm>
-            <a:off x="7288724" y="2009775"/>
-            <a:ext cx="2408207" cy="4351338"/>
+            <a:off x="9623021" y="1809750"/>
+            <a:ext cx="2436228" cy="4351338"/>
           </a:xfrm>
           <a:prstGeom prst="rect">
             <a:avLst/>
@@ -4067,8 +4081,8 @@
         </p:blipFill>
         <p:spPr>
           <a:xfrm>
-            <a:off x="9823104" y="2009775"/>
-            <a:ext cx="2247732" cy="4114800"/>
+            <a:off x="7298252" y="1809750"/>
+            <a:ext cx="2286000" cy="4114800"/>
           </a:xfrm>
           <a:prstGeom prst="rect">
             <a:avLst/>
@@ -4077,13 +4091,13 @@
       </p:pic>
       <p:sp>
         <p:nvSpPr>
-          <p:cNvPr id="9" name="TextBox 8"/>
+          <p:cNvPr id="13" name="TextBox 12"/>
           <p:cNvSpPr txBox="1"/>
           <p:nvPr/>
         </p:nvSpPr>
         <p:spPr>
           <a:xfrm>
-            <a:off x="6097976" y="1692862"/>
+            <a:off x="6097976" y="1476375"/>
             <a:ext cx="2743200" cy="369332"/>
           </a:xfrm>
           <a:prstGeom prst="rect">
@@ -4109,13 +4123,13 @@
       </p:sp>
       <p:sp>
         <p:nvSpPr>
-          <p:cNvPr id="11" name="TextBox 10"/>
+          <p:cNvPr id="15" name="TextBox 14"/>
           <p:cNvSpPr txBox="1"/>
           <p:nvPr/>
         </p:nvSpPr>
         <p:spPr>
           <a:xfrm>
-            <a:off x="8584498" y="1692275"/>
+            <a:off x="8441910" y="1508454"/>
             <a:ext cx="2743200" cy="369332"/>
           </a:xfrm>
           <a:prstGeom prst="rect">
@@ -4141,14 +4155,14 @@
       </p:sp>
       <p:sp>
         <p:nvSpPr>
-          <p:cNvPr id="13" name="TextBox 12"/>
+          <p:cNvPr id="16" name="TextBox 15"/>
           <p:cNvSpPr txBox="1"/>
           <p:nvPr/>
         </p:nvSpPr>
         <p:spPr>
           <a:xfrm>
             <a:off x="447675" y="1762125"/>
-            <a:ext cx="6261743" cy="1754326"/>
+            <a:ext cx="6261743" cy="3970318"/>
           </a:xfrm>
           <a:prstGeom prst="rect">
             <a:avLst/>
@@ -4170,7 +4184,7 @@
                 </a:solidFill>
                 <a:latin typeface="Calibri"/>
               </a:rPr>
-              <a:t>- 1. shows screen by default. 2. shows screen once add additional information is pressed</a:t>
+              <a:t>- "6" is broken into 5 screens each viewed one after the next in chronological order</a:t>
             </a:r>
           </a:p>
           <a:p>
@@ -4189,8 +4203,11 @@
                 </a:solidFill>
                 <a:latin typeface="Calibri"/>
               </a:rPr>
-              <a:t>- dates to be Month/year  month/year</a:t>
-            </a:r>
+              <a:t>- The ability to cascade all screens in the "6" chain based on completion/progress?</a:t>
+            </a:r>
+            <a:endParaRPr lang="en-US">
+              <a:latin typeface="Calibri"/>
+            </a:endParaRPr>
           </a:p>
           <a:p>
             <a:endParaRPr lang="en-US">
@@ -4201,6 +4218,38 @@
             </a:endParaRPr>
           </a:p>
           <a:p>
+            <a:r>
+              <a:rPr lang="en-US">
+                <a:solidFill>
+                  <a:srgbClr val="000000"/>
+                </a:solidFill>
+                <a:latin typeface="Calibri"/>
+              </a:rPr>
+              <a:t>- All screens on 6 will include the "</a:t>
+            </a:r>
+            <a:r>
+              <a:rPr lang="en-US" err="1">
+                <a:solidFill>
+                  <a:srgbClr val="000000"/>
+                </a:solidFill>
+                <a:latin typeface="Calibri"/>
+              </a:rPr>
+              <a:t>i</a:t>
+            </a:r>
+            <a:r>
+              <a:rPr lang="en-US">
+                <a:solidFill>
+                  <a:srgbClr val="000000"/>
+                </a:solidFill>
+                <a:latin typeface="Calibri"/>
+              </a:rPr>
+              <a:t>" icon which users can click to see exactly how we want each screen to be filled</a:t>
+            </a:r>
+            <a:endParaRPr lang="en-US">
+              <a:latin typeface="Calibri"/>
+            </a:endParaRPr>
+          </a:p>
+          <a:p>
             <a:endParaRPr lang="en-US">
               <a:solidFill>
                 <a:srgbClr val="000000"/>
@@ -4208,12 +4257,91 @@
               <a:latin typeface="Calibri"/>
             </a:endParaRPr>
           </a:p>
-        </p:txBody>
-      </p:sp>
+          <a:p>
+            <a:r>
+              <a:rPr lang="en-US">
+                <a:solidFill>
+                  <a:srgbClr val="000000"/>
+                </a:solidFill>
+                <a:latin typeface="Calibri"/>
+              </a:rPr>
+              <a:t>- All screens will have progress bar</a:t>
+            </a:r>
+          </a:p>
+          <a:p>
+            <a:endParaRPr lang="en-US">
+              <a:solidFill>
+                <a:srgbClr val="000000"/>
+              </a:solidFill>
+              <a:latin typeface="Calibri"/>
+            </a:endParaRPr>
+          </a:p>
+          <a:p>
+            <a:r>
+              <a:rPr lang="en-US">
+                <a:solidFill>
+                  <a:srgbClr val="000000"/>
+                </a:solidFill>
+                <a:latin typeface="Calibri"/>
+              </a:rPr>
+              <a:t>- progress bar styling/coloring TBD</a:t>
+            </a:r>
+          </a:p>
+          <a:p>
+            <a:endParaRPr lang="en-US">
+              <a:solidFill>
+                <a:srgbClr val="000000"/>
+              </a:solidFill>
+              <a:latin typeface="Calibri"/>
+            </a:endParaRPr>
+          </a:p>
+          <a:p>
+            <a:r>
+              <a:rPr lang="en-US">
+                <a:solidFill>
+                  <a:srgbClr val="000000"/>
+                </a:solidFill>
+                <a:latin typeface="Calibri"/>
+              </a:rPr>
+              <a:t>- 1vs2 is whether or not we want to ask the addition information</a:t>
+            </a:r>
+          </a:p>
+        </p:txBody>
+      </p:sp>
+      <p:pic>
+        <p:nvPicPr>
+          <p:cNvPr id="3" name="Picture 2"/>
+          <p:cNvPicPr>
+            <a:picLocks noChangeAspect="1"/>
+          </p:cNvPicPr>
+          <p:nvPr/>
+        </p:nvPicPr>
+        <p:blipFill>
+          <a:blip r:embed="rId5">
+            <a:extLst>
+              <a:ext uri="{28A0092B-C50C-407E-A947-70E740481C1C}">
+                <a14:useLocalDpi xmlns:a14="http://schemas.microsoft.com/office/drawing/2010/main" val="0"/>
+              </a:ext>
+            </a:extLst>
+          </a:blip>
+          <a:stretch>
+            <a:fillRect/>
+          </a:stretch>
+        </p:blipFill>
+        <p:spPr>
+          <a:xfrm>
+            <a:off x="4380237" y="1643559"/>
+            <a:ext cx="2694859" cy="4447181"/>
+          </a:xfrm>
+          <a:prstGeom prst="rect">
+            <a:avLst/>
+          </a:prstGeom>
+        </p:spPr>
+      </p:pic>
     </p:spTree>
     <p:extLst>
       <p:ext uri="{BB962C8B-B14F-4D97-AF65-F5344CB8AC3E}">
-        <p14:creationId xmlns:p14="http://schemas.microsoft.com/office/powerpoint/2010/main" val="3306795905"/>
+        <p14:creationId xmlns:p14="http://schemas.microsoft.com/office/powerpoint/2010/main" val="4023332084"/>
       </p:ext>
     </p:extLst>
   </p:cSld>
@@ -4257,7 +4385,7 @@
           <a:p>
             <a:r>
               <a:rPr lang="en-US"/>
-              <a:t>6. 3/5</a:t>
+              <a:t>6. 2/5</a:t>
             </a:r>
           </a:p>
         </p:txBody>
@@ -4280,24 +4408,48 @@
         </p:blipFill>
         <p:spPr>
           <a:xfrm>
-            <a:off x="9241912" y="1952625"/>
-            <a:ext cx="2393877" cy="4351338"/>
+            <a:off x="7288724" y="2009775"/>
+            <a:ext cx="2408207" cy="4351338"/>
           </a:xfrm>
           <a:prstGeom prst="rect">
             <a:avLst/>
           </a:prstGeom>
         </p:spPr>
       </p:pic>
-      <p:sp>
-        <p:nvSpPr>
-          <p:cNvPr id="7" name="TextBox 6"/>
+      <p:pic>
+        <p:nvPicPr>
+          <p:cNvPr id="6" name="Picture 6"/>
+          <p:cNvPicPr>
+            <a:picLocks noChangeAspect="1"/>
+          </p:cNvPicPr>
+          <p:nvPr/>
+        </p:nvPicPr>
+        <p:blipFill>
+          <a:blip r:embed="rId4"/>
+          <a:stretch>
+            <a:fillRect/>
+          </a:stretch>
+        </p:blipFill>
+        <p:spPr>
+          <a:xfrm>
+            <a:off x="9823104" y="2009775"/>
+            <a:ext cx="2247732" cy="4114800"/>
+          </a:xfrm>
+          <a:prstGeom prst="rect">
+            <a:avLst/>
+          </a:prstGeom>
+        </p:spPr>
+      </p:pic>
+      <p:sp>
+        <p:nvSpPr>
+          <p:cNvPr id="9" name="TextBox 8"/>
           <p:cNvSpPr txBox="1"/>
           <p:nvPr/>
         </p:nvSpPr>
         <p:spPr>
           <a:xfrm>
-            <a:off x="447675" y="1762125"/>
-            <a:ext cx="6261743" cy="1200329"/>
+            <a:off x="6097976" y="1692862"/>
+            <a:ext cx="2743200" cy="369332"/>
           </a:xfrm>
           <a:prstGeom prst="rect">
             <a:avLst/>
@@ -4312,6 +4464,70 @@
           </a:bodyPr>
           <a:lstStyle/>
           <a:p>
+            <a:pPr algn="ctr"/>
+            <a:r>
+              <a:rPr lang="en-US" b="1"/>
+              <a:t>1.</a:t>
+            </a:r>
+          </a:p>
+        </p:txBody>
+      </p:sp>
+      <p:sp>
+        <p:nvSpPr>
+          <p:cNvPr id="11" name="TextBox 10"/>
+          <p:cNvSpPr txBox="1"/>
+          <p:nvPr/>
+        </p:nvSpPr>
+        <p:spPr>
+          <a:xfrm>
+            <a:off x="8584498" y="1692275"/>
+            <a:ext cx="2743200" cy="369332"/>
+          </a:xfrm>
+          <a:prstGeom prst="rect">
+            <a:avLst/>
+          </a:prstGeom>
+        </p:spPr>
+        <p:txBody>
+          <a:bodyPr rot="0" spcFirstLastPara="0" vertOverflow="overflow" horzOverflow="overflow" vert="horz" wrap="square" lIns="91440" tIns="45720" rIns="91440" bIns="45720" numCol="1" spcCol="0" rtlCol="0" fromWordArt="0" anchor="t" anchorCtr="0" forceAA="0" compatLnSpc="1">
+            <a:prstTxWarp prst="textNoShape">
+              <a:avLst/>
+            </a:prstTxWarp>
+            <a:spAutoFit/>
+          </a:bodyPr>
+          <a:lstStyle/>
+          <a:p>
+            <a:pPr algn="ctr"/>
+            <a:r>
+              <a:rPr lang="en-US" b="1"/>
+              <a:t>2.</a:t>
+            </a:r>
+          </a:p>
+        </p:txBody>
+      </p:sp>
+      <p:sp>
+        <p:nvSpPr>
+          <p:cNvPr id="13" name="TextBox 12"/>
+          <p:cNvSpPr txBox="1"/>
+          <p:nvPr/>
+        </p:nvSpPr>
+        <p:spPr>
+          <a:xfrm>
+            <a:off x="447675" y="1762125"/>
+            <a:ext cx="6261743" cy="1754326"/>
+          </a:xfrm>
+          <a:prstGeom prst="rect">
+            <a:avLst/>
+          </a:prstGeom>
+        </p:spPr>
+        <p:txBody>
+          <a:bodyPr rot="0" spcFirstLastPara="0" vertOverflow="overflow" horzOverflow="overflow" vert="horz" wrap="square" lIns="91440" tIns="45720" rIns="91440" bIns="45720" numCol="1" spcCol="0" rtlCol="0" fromWordArt="0" anchor="t" anchorCtr="0" forceAA="0" compatLnSpc="1">
+            <a:prstTxWarp prst="textNoShape">
+              <a:avLst/>
+            </a:prstTxWarp>
+            <a:spAutoFit/>
+          </a:bodyPr>
+          <a:lstStyle/>
+          <a:p>
             <a:r>
               <a:rPr lang="en-US">
                 <a:solidFill>
@@ -4319,7 +4535,7 @@
                 </a:solidFill>
                 <a:latin typeface="Calibri"/>
               </a:rPr>
-              <a:t>- Different progress bar shown just as another example</a:t>
+              <a:t>- 1. shows screen by default. 2. shows screen once add additional information is pressed</a:t>
             </a:r>
           </a:p>
           <a:p>
@@ -4331,6 +4547,17 @@
             </a:endParaRPr>
           </a:p>
           <a:p>
+            <a:r>
+              <a:rPr lang="en-US">
+                <a:solidFill>
+                  <a:srgbClr val="000000"/>
+                </a:solidFill>
+                <a:latin typeface="Calibri"/>
+              </a:rPr>
+              <a:t>- dates to be Month/year  month/year</a:t>
+            </a:r>
+          </a:p>
+          <a:p>
             <a:endParaRPr lang="en-US">
               <a:solidFill>
                 <a:srgbClr val="000000"/>
@@ -4351,7 +4578,7 @@
     </p:spTree>
     <p:extLst>
       <p:ext uri="{BB962C8B-B14F-4D97-AF65-F5344CB8AC3E}">
-        <p14:creationId xmlns:p14="http://schemas.microsoft.com/office/powerpoint/2010/main" val="3473438791"/>
+        <p14:creationId xmlns:p14="http://schemas.microsoft.com/office/powerpoint/2010/main" val="3306795905"/>
       </p:ext>
     </p:extLst>
   </p:cSld>
@@ -4395,7 +4622,7 @@
           <a:p>
             <a:r>
               <a:rPr lang="en-US"/>
-              <a:t>6. 4/5</a:t>
+              <a:t>6. 3/5</a:t>
             </a:r>
           </a:p>
         </p:txBody>
@@ -4418,8 +4645,8 @@
         </p:blipFill>
         <p:spPr>
           <a:xfrm>
-            <a:off x="9432467" y="2324100"/>
-            <a:ext cx="2401628" cy="4351338"/>
+            <a:off x="9241912" y="1952625"/>
+            <a:ext cx="2393877" cy="4351338"/>
           </a:xfrm>
           <a:prstGeom prst="rect">
             <a:avLst/>
@@ -4435,7 +4662,7 @@
         <p:spPr>
           <a:xfrm>
             <a:off x="447675" y="1762125"/>
-            <a:ext cx="6261743" cy="1477328"/>
+            <a:ext cx="6261743" cy="1200329"/>
           </a:xfrm>
           <a:prstGeom prst="rect">
             <a:avLst/>
@@ -4457,25 +4684,7 @@
                 </a:solidFill>
                 <a:latin typeface="Calibri"/>
               </a:rPr>
-              <a:t>- example from </a:t>
-            </a:r>
-            <a:r>
-              <a:rPr lang="en-US" err="1">
-                <a:solidFill>
-                  <a:srgbClr val="000000"/>
-                </a:solidFill>
-                <a:latin typeface="Calibri"/>
-              </a:rPr>
-              <a:t>Linkedin</a:t>
-            </a:r>
-            <a:r>
-              <a:rPr lang="en-US">
-                <a:solidFill>
-                  <a:srgbClr val="000000"/>
-                </a:solidFill>
-                <a:latin typeface="Calibri"/>
-              </a:rPr>
-              <a:t> to show another way we could format screen</a:t>
+              <a:t>- Different progress bar shown just as another example</a:t>
             </a:r>
           </a:p>
           <a:p>
@@ -4504,34 +4713,10 @@
           </a:p>
         </p:txBody>
       </p:sp>
-      <p:pic>
-        <p:nvPicPr>
-          <p:cNvPr id="8" name="Picture 8"/>
-          <p:cNvPicPr>
-            <a:picLocks noChangeAspect="1"/>
-          </p:cNvPicPr>
-          <p:nvPr/>
-        </p:nvPicPr>
-        <p:blipFill>
-          <a:blip r:embed="rId4"/>
-          <a:stretch>
-            <a:fillRect/>
-          </a:stretch>
-        </p:blipFill>
-        <p:spPr>
-          <a:xfrm>
-            <a:off x="4068347" y="3390900"/>
-            <a:ext cx="4919172" cy="3398308"/>
-          </a:xfrm>
-          <a:prstGeom prst="rect">
-            <a:avLst/>
-          </a:prstGeom>
-        </p:spPr>
-      </p:pic>
     </p:spTree>
     <p:extLst>
       <p:ext uri="{BB962C8B-B14F-4D97-AF65-F5344CB8AC3E}">
-        <p14:creationId xmlns:p14="http://schemas.microsoft.com/office/powerpoint/2010/main" val="1458365849"/>
+        <p14:creationId xmlns:p14="http://schemas.microsoft.com/office/powerpoint/2010/main" val="3473438791"/>
       </p:ext>
     </p:extLst>
   </p:cSld>
@@ -4575,7 +4760,7 @@
           <a:p>
             <a:r>
               <a:rPr lang="en-US"/>
-              <a:t>6. 5/5</a:t>
+              <a:t>6. 4/5</a:t>
             </a:r>
           </a:p>
         </p:txBody>
@@ -4598,8 +4783,8 @@
         </p:blipFill>
         <p:spPr>
           <a:xfrm>
-            <a:off x="8908441" y="1905000"/>
-            <a:ext cx="2407397" cy="4351338"/>
+            <a:off x="9432467" y="2324100"/>
+            <a:ext cx="2401628" cy="4351338"/>
           </a:xfrm>
           <a:prstGeom prst="rect">
             <a:avLst/>
@@ -4637,7 +4822,25 @@
                 </a:solidFill>
                 <a:latin typeface="Calibri"/>
               </a:rPr>
-              <a:t>- another example of how the progressbar could look</a:t>
+              <a:t>- example from </a:t>
+            </a:r>
+            <a:r>
+              <a:rPr lang="en-US" err="1">
+                <a:solidFill>
+                  <a:srgbClr val="000000"/>
+                </a:solidFill>
+                <a:latin typeface="Calibri"/>
+              </a:rPr>
+              <a:t>Linkedin</a:t>
+            </a:r>
+            <a:r>
+              <a:rPr lang="en-US">
+                <a:solidFill>
+                  <a:srgbClr val="000000"/>
+                </a:solidFill>
+                <a:latin typeface="Calibri"/>
+              </a:rPr>
+              <a:t> to show another way we could format screen</a:t>
             </a:r>
           </a:p>
           <a:p>
@@ -4664,20 +4867,36 @@
               <a:latin typeface="Calibri"/>
             </a:endParaRPr>
           </a:p>
-          <a:p>
-            <a:endParaRPr lang="en-US">
-              <a:solidFill>
-                <a:srgbClr val="000000"/>
-              </a:solidFill>
-              <a:latin typeface="Calibri"/>
-            </a:endParaRPr>
-          </a:p>
-        </p:txBody>
-      </p:sp>
+        </p:txBody>
+      </p:sp>
+      <p:pic>
+        <p:nvPicPr>
+          <p:cNvPr id="8" name="Picture 8"/>
+          <p:cNvPicPr>
+            <a:picLocks noChangeAspect="1"/>
+          </p:cNvPicPr>
+          <p:nvPr/>
+        </p:nvPicPr>
+        <p:blipFill>
+          <a:blip r:embed="rId4"/>
+          <a:stretch>
+            <a:fillRect/>
+          </a:stretch>
+        </p:blipFill>
+        <p:spPr>
+          <a:xfrm>
+            <a:off x="4068347" y="3390900"/>
+            <a:ext cx="4919172" cy="3398308"/>
+          </a:xfrm>
+          <a:prstGeom prst="rect">
+            <a:avLst/>
+          </a:prstGeom>
+        </p:spPr>
+      </p:pic>
     </p:spTree>
     <p:extLst>
       <p:ext uri="{BB962C8B-B14F-4D97-AF65-F5344CB8AC3E}">
-        <p14:creationId xmlns:p14="http://schemas.microsoft.com/office/powerpoint/2010/main" val="411202109"/>
+        <p14:creationId xmlns:p14="http://schemas.microsoft.com/office/powerpoint/2010/main" val="1458365849"/>
       </p:ext>
     </p:extLst>
   </p:cSld>
@@ -4720,6 +4939,152 @@
           <a:lstStyle/>
           <a:p>
             <a:r>
+              <a:rPr lang="en-US"/>
+              <a:t>6. 5/5</a:t>
+            </a:r>
+          </a:p>
+        </p:txBody>
+      </p:sp>
+      <p:pic>
+        <p:nvPicPr>
+          <p:cNvPr id="4" name="Picture 4"/>
+          <p:cNvPicPr>
+            <a:picLocks noGrp="1" noChangeAspect="1"/>
+          </p:cNvPicPr>
+          <p:nvPr>
+            <p:ph idx="1"/>
+          </p:nvPr>
+        </p:nvPicPr>
+        <p:blipFill>
+          <a:blip r:embed="rId3"/>
+          <a:stretch>
+            <a:fillRect/>
+          </a:stretch>
+        </p:blipFill>
+        <p:spPr>
+          <a:xfrm>
+            <a:off x="8908441" y="1905000"/>
+            <a:ext cx="2407397" cy="4351338"/>
+          </a:xfrm>
+          <a:prstGeom prst="rect">
+            <a:avLst/>
+          </a:prstGeom>
+        </p:spPr>
+      </p:pic>
+      <p:sp>
+        <p:nvSpPr>
+          <p:cNvPr id="7" name="TextBox 6"/>
+          <p:cNvSpPr txBox="1"/>
+          <p:nvPr/>
+        </p:nvSpPr>
+        <p:spPr>
+          <a:xfrm>
+            <a:off x="447675" y="1762125"/>
+            <a:ext cx="6261743" cy="1477328"/>
+          </a:xfrm>
+          <a:prstGeom prst="rect">
+            <a:avLst/>
+          </a:prstGeom>
+        </p:spPr>
+        <p:txBody>
+          <a:bodyPr rot="0" spcFirstLastPara="0" vertOverflow="overflow" horzOverflow="overflow" vert="horz" wrap="square" lIns="91440" tIns="45720" rIns="91440" bIns="45720" numCol="1" spcCol="0" rtlCol="0" fromWordArt="0" anchor="t" anchorCtr="0" forceAA="0" compatLnSpc="1">
+            <a:prstTxWarp prst="textNoShape">
+              <a:avLst/>
+            </a:prstTxWarp>
+            <a:spAutoFit/>
+          </a:bodyPr>
+          <a:lstStyle/>
+          <a:p>
+            <a:r>
+              <a:rPr lang="en-US">
+                <a:solidFill>
+                  <a:srgbClr val="000000"/>
+                </a:solidFill>
+                <a:latin typeface="Calibri"/>
+              </a:rPr>
+              <a:t>- another example of how the progressbar could look</a:t>
+            </a:r>
+          </a:p>
+          <a:p>
+            <a:endParaRPr lang="en-US">
+              <a:solidFill>
+                <a:srgbClr val="000000"/>
+              </a:solidFill>
+              <a:latin typeface="Calibri"/>
+            </a:endParaRPr>
+          </a:p>
+          <a:p>
+            <a:endParaRPr lang="en-US">
+              <a:solidFill>
+                <a:srgbClr val="000000"/>
+              </a:solidFill>
+              <a:latin typeface="Calibri"/>
+            </a:endParaRPr>
+          </a:p>
+          <a:p>
+            <a:endParaRPr lang="en-US">
+              <a:solidFill>
+                <a:srgbClr val="000000"/>
+              </a:solidFill>
+              <a:latin typeface="Calibri"/>
+            </a:endParaRPr>
+          </a:p>
+          <a:p>
+            <a:endParaRPr lang="en-US">
+              <a:solidFill>
+                <a:srgbClr val="000000"/>
+              </a:solidFill>
+              <a:latin typeface="Calibri"/>
+            </a:endParaRPr>
+          </a:p>
+        </p:txBody>
+      </p:sp>
+    </p:spTree>
+    <p:extLst>
+      <p:ext uri="{BB962C8B-B14F-4D97-AF65-F5344CB8AC3E}">
+        <p14:creationId xmlns:p14="http://schemas.microsoft.com/office/powerpoint/2010/main" val="411202109"/>
+      </p:ext>
+    </p:extLst>
+  </p:cSld>
+  <p:clrMapOvr>
+    <a:masterClrMapping/>
+  </p:clrMapOvr>
+</p:sld>
+</file>
+
+<file path=ppt/slides/slide15.xml><?xml version="1.0" encoding="utf-8"?>
+<p:sld xmlns:a="http://schemas.openxmlformats.org/drawingml/2006/main" xmlns:r="http://schemas.openxmlformats.org/officeDocument/2006/relationships" xmlns:p="http://schemas.openxmlformats.org/presentationml/2006/main">
+  <p:cSld>
+    <p:spTree>
+      <p:nvGrpSpPr>
+        <p:cNvPr id="1" name=""/>
+        <p:cNvGrpSpPr/>
+        <p:nvPr/>
+      </p:nvGrpSpPr>
+      <p:grpSpPr>
+        <a:xfrm>
+          <a:off x="0" y="0"/>
+          <a:ext cx="0" cy="0"/>
+          <a:chOff x="0" y="0"/>
+          <a:chExt cx="0" cy="0"/>
+        </a:xfrm>
+      </p:grpSpPr>
+      <p:sp>
+        <p:nvSpPr>
+          <p:cNvPr id="2" name="Title 1"/>
+          <p:cNvSpPr>
+            <a:spLocks noGrp="1"/>
+          </p:cNvSpPr>
+          <p:nvPr>
+            <p:ph type="title"/>
+          </p:nvPr>
+        </p:nvSpPr>
+        <p:spPr/>
+        <p:txBody>
+          <a:bodyPr/>
+          <a:lstStyle/>
+          <a:p>
+            <a:r>
               <a:rPr lang="en-US" dirty="0"/>
               <a:t>7.</a:t>
             </a:r>
@@ -4827,6 +5192,196 @@
               <a:buNone/>
             </a:pPr>
             <a:endParaRPr lang="en-US" dirty="0"/>
+          </a:p>
+        </p:txBody>
+      </p:sp>
+      <p:sp>
+        <p:nvSpPr>
+          <p:cNvPr id="4" name="TextBox 3"/>
+          <p:cNvSpPr txBox="1"/>
+          <p:nvPr/>
+        </p:nvSpPr>
+        <p:spPr>
+          <a:xfrm>
+            <a:off x="3847604" y="1825625"/>
+            <a:ext cx="2375065" cy="368135"/>
+          </a:xfrm>
+          <a:prstGeom prst="rect">
+            <a:avLst/>
+          </a:prstGeom>
+          <a:noFill/>
+        </p:spPr>
+        <p:txBody>
+          <a:bodyPr wrap="square" rtlCol="0">
+            <a:spAutoFit/>
+          </a:bodyPr>
+          <a:lstStyle/>
+          <a:p>
+            <a:r>
+              <a:rPr lang="en-US" b="1" dirty="0" smtClean="0">
+                <a:solidFill>
+                  <a:schemeClr val="accent6"/>
+                </a:solidFill>
+              </a:rPr>
+              <a:t>&lt;---- Yes, part of V1</a:t>
+            </a:r>
+            <a:endParaRPr lang="en-US" b="1" dirty="0">
+              <a:solidFill>
+                <a:schemeClr val="accent6"/>
+              </a:solidFill>
+            </a:endParaRPr>
+          </a:p>
+        </p:txBody>
+      </p:sp>
+      <p:sp>
+        <p:nvSpPr>
+          <p:cNvPr id="5" name="TextBox 4"/>
+          <p:cNvSpPr txBox="1"/>
+          <p:nvPr/>
+        </p:nvSpPr>
+        <p:spPr>
+          <a:xfrm>
+            <a:off x="3429989" y="2366364"/>
+            <a:ext cx="2375065" cy="368135"/>
+          </a:xfrm>
+          <a:prstGeom prst="rect">
+            <a:avLst/>
+          </a:prstGeom>
+          <a:noFill/>
+        </p:spPr>
+        <p:txBody>
+          <a:bodyPr wrap="square" rtlCol="0">
+            <a:spAutoFit/>
+          </a:bodyPr>
+          <a:lstStyle/>
+          <a:p>
+            <a:r>
+              <a:rPr lang="en-US" b="1" dirty="0" smtClean="0">
+                <a:solidFill>
+                  <a:srgbClr val="FF0000"/>
+                </a:solidFill>
+              </a:rPr>
+              <a:t>&lt;---- No, not part of V1</a:t>
+            </a:r>
+            <a:endParaRPr lang="en-US" b="1" dirty="0">
+              <a:solidFill>
+                <a:srgbClr val="FF0000"/>
+              </a:solidFill>
+            </a:endParaRPr>
+          </a:p>
+        </p:txBody>
+      </p:sp>
+      <p:sp>
+        <p:nvSpPr>
+          <p:cNvPr id="6" name="TextBox 5"/>
+          <p:cNvSpPr txBox="1"/>
+          <p:nvPr/>
+        </p:nvSpPr>
+        <p:spPr>
+          <a:xfrm>
+            <a:off x="3429988" y="2843449"/>
+            <a:ext cx="2375065" cy="368135"/>
+          </a:xfrm>
+          <a:prstGeom prst="rect">
+            <a:avLst/>
+          </a:prstGeom>
+          <a:noFill/>
+        </p:spPr>
+        <p:txBody>
+          <a:bodyPr wrap="square" rtlCol="0">
+            <a:spAutoFit/>
+          </a:bodyPr>
+          <a:lstStyle/>
+          <a:p>
+            <a:r>
+              <a:rPr lang="en-US" b="1" dirty="0" smtClean="0">
+                <a:solidFill>
+                  <a:srgbClr val="FF0000"/>
+                </a:solidFill>
+              </a:rPr>
+              <a:t>&lt;---- No, not part of V1</a:t>
+            </a:r>
+            <a:endParaRPr lang="en-US" b="1" dirty="0">
+              <a:solidFill>
+                <a:srgbClr val="FF0000"/>
+              </a:solidFill>
+            </a:endParaRPr>
+          </a:p>
+        </p:txBody>
+      </p:sp>
+      <p:sp>
+        <p:nvSpPr>
+          <p:cNvPr id="7" name="TextBox 6"/>
+          <p:cNvSpPr txBox="1"/>
+          <p:nvPr/>
+        </p:nvSpPr>
+        <p:spPr>
+          <a:xfrm>
+            <a:off x="4378036" y="3393712"/>
+            <a:ext cx="2375065" cy="368135"/>
+          </a:xfrm>
+          <a:prstGeom prst="rect">
+            <a:avLst/>
+          </a:prstGeom>
+          <a:noFill/>
+        </p:spPr>
+        <p:txBody>
+          <a:bodyPr wrap="square" rtlCol="0">
+            <a:spAutoFit/>
+          </a:bodyPr>
+          <a:lstStyle/>
+          <a:p>
+            <a:r>
+              <a:rPr lang="en-US" b="1" dirty="0" smtClean="0">
+                <a:solidFill>
+                  <a:srgbClr val="FF0000"/>
+                </a:solidFill>
+              </a:rPr>
+              <a:t>&lt;---- No, not part of V1</a:t>
+            </a:r>
+            <a:endParaRPr lang="en-US" b="1" dirty="0">
+              <a:solidFill>
+                <a:srgbClr val="FF0000"/>
+              </a:solidFill>
+            </a:endParaRPr>
+          </a:p>
+        </p:txBody>
+      </p:sp>
+      <p:sp>
+        <p:nvSpPr>
+          <p:cNvPr id="8" name="TextBox 7"/>
+          <p:cNvSpPr txBox="1"/>
+          <p:nvPr/>
+        </p:nvSpPr>
+        <p:spPr>
+          <a:xfrm>
+            <a:off x="4047505" y="3897607"/>
+            <a:ext cx="2375065" cy="368135"/>
+          </a:xfrm>
+          <a:prstGeom prst="rect">
+            <a:avLst/>
+          </a:prstGeom>
+          <a:noFill/>
+        </p:spPr>
+        <p:txBody>
+          <a:bodyPr wrap="square" rtlCol="0">
+            <a:spAutoFit/>
+          </a:bodyPr>
+          <a:lstStyle/>
+          <a:p>
+            <a:r>
+              <a:rPr lang="en-US" b="1" dirty="0" smtClean="0">
+                <a:solidFill>
+                  <a:schemeClr val="accent6"/>
+                </a:solidFill>
+              </a:rPr>
+              <a:t>&lt;---- Yes, part of V1</a:t>
+            </a:r>
+            <a:endParaRPr lang="en-US" b="1" dirty="0">
+              <a:solidFill>
+                <a:schemeClr val="accent6"/>
+              </a:solidFill>
+            </a:endParaRPr>
           </a:p>
         </p:txBody>
       </p:sp>
@@ -7336,6 +7891,96 @@
           <a:chExt cx="0" cy="0"/>
         </a:xfrm>
       </p:grpSpPr>
+      <p:pic>
+        <p:nvPicPr>
+          <p:cNvPr id="4" name="Picture 3"/>
+          <p:cNvPicPr>
+            <a:picLocks noChangeAspect="1"/>
+          </p:cNvPicPr>
+          <p:nvPr/>
+        </p:nvPicPr>
+        <p:blipFill>
+          <a:blip r:embed="rId2">
+            <a:extLst>
+              <a:ext uri="{28A0092B-C50C-407E-A947-70E740481C1C}">
+                <a14:useLocalDpi xmlns:a14="http://schemas.microsoft.com/office/drawing/2010/main" val="0"/>
+              </a:ext>
+            </a:extLst>
+          </a:blip>
+          <a:stretch>
+            <a:fillRect/>
+          </a:stretch>
+        </p:blipFill>
+        <p:spPr>
+          <a:xfrm>
+            <a:off x="2286000" y="1778000"/>
+            <a:ext cx="7620000" cy="3302000"/>
+          </a:xfrm>
+          <a:prstGeom prst="rect">
+            <a:avLst/>
+          </a:prstGeom>
+        </p:spPr>
+      </p:pic>
+      <p:sp>
+        <p:nvSpPr>
+          <p:cNvPr id="5" name="TextBox 4"/>
+          <p:cNvSpPr txBox="1"/>
+          <p:nvPr/>
+        </p:nvSpPr>
+        <p:spPr>
+          <a:xfrm>
+            <a:off x="2030681" y="843148"/>
+            <a:ext cx="5617028" cy="369332"/>
+          </a:xfrm>
+          <a:prstGeom prst="rect">
+            <a:avLst/>
+          </a:prstGeom>
+          <a:noFill/>
+        </p:spPr>
+        <p:txBody>
+          <a:bodyPr wrap="square" rtlCol="0">
+            <a:spAutoFit/>
+          </a:bodyPr>
+          <a:lstStyle/>
+          <a:p>
+            <a:r>
+              <a:rPr lang="en-US" dirty="0" smtClean="0"/>
+              <a:t>Sample App splash screens</a:t>
+            </a:r>
+            <a:endParaRPr lang="en-US" dirty="0"/>
+          </a:p>
+        </p:txBody>
+      </p:sp>
+    </p:spTree>
+    <p:extLst>
+      <p:ext uri="{BB962C8B-B14F-4D97-AF65-F5344CB8AC3E}">
+        <p14:creationId xmlns:p14="http://schemas.microsoft.com/office/powerpoint/2010/main" val="468538784"/>
+      </p:ext>
+    </p:extLst>
+  </p:cSld>
+  <p:clrMapOvr>
+    <a:masterClrMapping/>
+  </p:clrMapOvr>
+</p:sld>
+</file>
+
+<file path=ppt/slides/slide5.xml><?xml version="1.0" encoding="utf-8"?>
+<p:sld xmlns:a="http://schemas.openxmlformats.org/drawingml/2006/main" xmlns:r="http://schemas.openxmlformats.org/officeDocument/2006/relationships" xmlns:p="http://schemas.openxmlformats.org/presentationml/2006/main">
+  <p:cSld>
+    <p:spTree>
+      <p:nvGrpSpPr>
+        <p:cNvPr id="1" name=""/>
+        <p:cNvGrpSpPr/>
+        <p:nvPr/>
+      </p:nvGrpSpPr>
+      <p:grpSpPr>
+        <a:xfrm>
+          <a:off x="0" y="0"/>
+          <a:ext cx="0" cy="0"/>
+          <a:chOff x="0" y="0"/>
+          <a:chExt cx="0" cy="0"/>
+        </a:xfrm>
+      </p:grpSpPr>
       <p:sp>
         <p:nvSpPr>
           <p:cNvPr id="2" name="Title 1"/>
@@ -7374,18 +8019,18 @@
           <a:lstStyle/>
           <a:p>
             <a:r>
-              <a:rPr lang="en-US"/>
+              <a:rPr lang="en-US" dirty="0"/>
               <a:t> Fix Logo / backdrop</a:t>
             </a:r>
           </a:p>
           <a:p>
             <a:r>
-              <a:rPr lang="en-US"/>
+              <a:rPr lang="en-US" dirty="0"/>
               <a:t>Pre-register and send login credentials</a:t>
             </a:r>
           </a:p>
           <a:p>
-            <a:endParaRPr lang="en-US"/>
+            <a:endParaRPr lang="en-US" dirty="0"/>
           </a:p>
         </p:txBody>
       </p:sp>
@@ -7407,6 +8052,78 @@
           <a:xfrm>
             <a:off x="8254195" y="1750562"/>
             <a:ext cx="2819036" cy="4633201"/>
+          </a:xfrm>
+          <a:prstGeom prst="rect">
+            <a:avLst/>
+          </a:prstGeom>
+        </p:spPr>
+      </p:pic>
+      <p:sp>
+        <p:nvSpPr>
+          <p:cNvPr id="5" name="TextBox 4"/>
+          <p:cNvSpPr txBox="1"/>
+          <p:nvPr/>
+        </p:nvSpPr>
+        <p:spPr>
+          <a:xfrm>
+            <a:off x="2030681" y="4073236"/>
+            <a:ext cx="3716976" cy="707886"/>
+          </a:xfrm>
+          <a:prstGeom prst="rect">
+            <a:avLst/>
+          </a:prstGeom>
+          <a:noFill/>
+        </p:spPr>
+        <p:txBody>
+          <a:bodyPr wrap="square" rtlCol="0">
+            <a:spAutoFit/>
+          </a:bodyPr>
+          <a:lstStyle/>
+          <a:p>
+            <a:r>
+              <a:rPr lang="en-US" sz="4000" b="1" dirty="0" smtClean="0">
+                <a:solidFill>
+                  <a:schemeClr val="accent1">
+                    <a:lumMod val="75000"/>
+                  </a:schemeClr>
+                </a:solidFill>
+              </a:rPr>
+              <a:t>Done.</a:t>
+            </a:r>
+            <a:endParaRPr lang="en-US" sz="4000" b="1" dirty="0">
+              <a:solidFill>
+                <a:schemeClr val="accent1">
+                  <a:lumMod val="75000"/>
+                </a:schemeClr>
+              </a:solidFill>
+            </a:endParaRPr>
+          </a:p>
+        </p:txBody>
+      </p:sp>
+      <p:pic>
+        <p:nvPicPr>
+          <p:cNvPr id="6" name="Picture 5"/>
+          <p:cNvPicPr>
+            <a:picLocks noChangeAspect="1"/>
+          </p:cNvPicPr>
+          <p:nvPr/>
+        </p:nvPicPr>
+        <p:blipFill>
+          <a:blip r:embed="rId3">
+            <a:extLst>
+              <a:ext uri="{28A0092B-C50C-407E-A947-70E740481C1C}">
+                <a14:useLocalDpi xmlns:a14="http://schemas.microsoft.com/office/drawing/2010/main" val="0"/>
+              </a:ext>
+            </a:extLst>
+          </a:blip>
+          <a:stretch>
+            <a:fillRect/>
+          </a:stretch>
+        </p:blipFill>
+        <p:spPr>
+          <a:xfrm>
+            <a:off x="5403274" y="1764331"/>
+            <a:ext cx="2803422" cy="4619432"/>
           </a:xfrm>
           <a:prstGeom prst="rect">
             <a:avLst/>
@@ -7433,7 +8150,7 @@
 </p:sld>
 </file>
 
-<file path=ppt/slides/slide5.xml><?xml version="1.0" encoding="utf-8"?>
+<file path=ppt/slides/slide6.xml><?xml version="1.0" encoding="utf-8"?>
 <p:sld xmlns:a="http://schemas.openxmlformats.org/drawingml/2006/main" xmlns:r="http://schemas.openxmlformats.org/officeDocument/2006/relationships" xmlns:p="http://schemas.openxmlformats.org/presentationml/2006/main">
   <p:cSld>
     <p:spTree>
@@ -7700,6 +8417,36 @@
           </a:p>
         </p:txBody>
       </p:sp>
+      <p:pic>
+        <p:nvPicPr>
+          <p:cNvPr id="6" name="Picture 5"/>
+          <p:cNvPicPr>
+            <a:picLocks noChangeAspect="1"/>
+          </p:cNvPicPr>
+          <p:nvPr/>
+        </p:nvPicPr>
+        <p:blipFill>
+          <a:blip r:embed="rId3">
+            <a:extLst>
+              <a:ext uri="{28A0092B-C50C-407E-A947-70E740481C1C}">
+                <a14:useLocalDpi xmlns:a14="http://schemas.microsoft.com/office/drawing/2010/main" val="0"/>
+              </a:ext>
+            </a:extLst>
+          </a:blip>
+          <a:stretch>
+            <a:fillRect/>
+          </a:stretch>
+        </p:blipFill>
+        <p:spPr>
+          <a:xfrm>
+            <a:off x="5749305" y="1825625"/>
+            <a:ext cx="2622458" cy="4351338"/>
+          </a:xfrm>
+          <a:prstGeom prst="rect">
+            <a:avLst/>
+          </a:prstGeom>
+        </p:spPr>
+      </p:pic>
     </p:spTree>
     <p:extLst>
       <p:ext uri="{BB962C8B-B14F-4D97-AF65-F5344CB8AC3E}">
@@ -7720,7 +8467,7 @@
 </p:sld>
 </file>
 
-<file path=ppt/slides/slide6.xml><?xml version="1.0" encoding="utf-8"?>
+<file path=ppt/slides/slide7.xml><?xml version="1.0" encoding="utf-8"?>
 <p:sld xmlns:a="http://schemas.openxmlformats.org/drawingml/2006/main" xmlns:r="http://schemas.openxmlformats.org/officeDocument/2006/relationships" xmlns:p="http://schemas.openxmlformats.org/presentationml/2006/main">
   <p:cSld>
     <p:spTree>
@@ -7753,9 +8500,14 @@
           <a:lstStyle/>
           <a:p>
             <a:r>
-              <a:rPr lang="en-US"/>
-              <a:t>3.</a:t>
-            </a:r>
+              <a:rPr lang="en-US" dirty="0"/>
+              <a:t>3</a:t>
+            </a:r>
+            <a:r>
+              <a:rPr lang="en-US" dirty="0" smtClean="0"/>
+              <a:t>. “Show Only Once” app tour screens</a:t>
+            </a:r>
+            <a:endParaRPr lang="en-US" dirty="0"/>
           </a:p>
         </p:txBody>
       </p:sp>
@@ -8022,6 +8774,36 @@
           </a:p>
         </p:txBody>
       </p:sp>
+      <p:pic>
+        <p:nvPicPr>
+          <p:cNvPr id="7" name="Picture 6"/>
+          <p:cNvPicPr>
+            <a:picLocks noChangeAspect="1"/>
+          </p:cNvPicPr>
+          <p:nvPr/>
+        </p:nvPicPr>
+        <p:blipFill>
+          <a:blip r:embed="rId3">
+            <a:extLst>
+              <a:ext uri="{28A0092B-C50C-407E-A947-70E740481C1C}">
+                <a14:useLocalDpi xmlns:a14="http://schemas.microsoft.com/office/drawing/2010/main" val="0"/>
+              </a:ext>
+            </a:extLst>
+          </a:blip>
+          <a:stretch>
+            <a:fillRect/>
+          </a:stretch>
+        </p:blipFill>
+        <p:spPr>
+          <a:xfrm>
+            <a:off x="-23590" y="1337072"/>
+            <a:ext cx="8097963" cy="4743093"/>
+          </a:xfrm>
+          <a:prstGeom prst="rect">
+            <a:avLst/>
+          </a:prstGeom>
+        </p:spPr>
+      </p:pic>
     </p:spTree>
     <p:extLst>
       <p:ext uri="{BB962C8B-B14F-4D97-AF65-F5344CB8AC3E}">
@@ -8032,114 +8814,13 @@
   <p:clrMapOvr>
     <a:masterClrMapping/>
   </p:clrMapOvr>
-</p:sld>
-</file>
-
-<file path=ppt/slides/slide7.xml><?xml version="1.0" encoding="utf-8"?>
-<p:sld xmlns:a="http://schemas.openxmlformats.org/drawingml/2006/main" xmlns:r="http://schemas.openxmlformats.org/officeDocument/2006/relationships" xmlns:p="http://schemas.openxmlformats.org/presentationml/2006/main">
-  <p:cSld>
-    <p:spTree>
-      <p:nvGrpSpPr>
-        <p:cNvPr id="1" name=""/>
-        <p:cNvGrpSpPr/>
-        <p:nvPr/>
-      </p:nvGrpSpPr>
-      <p:grpSpPr>
-        <a:xfrm>
-          <a:off x="0" y="0"/>
-          <a:ext cx="0" cy="0"/>
-          <a:chOff x="0" y="0"/>
-          <a:chExt cx="0" cy="0"/>
-        </a:xfrm>
-      </p:grpSpPr>
-      <p:sp>
-        <p:nvSpPr>
-          <p:cNvPr id="2" name="Title 1"/>
-          <p:cNvSpPr>
-            <a:spLocks noGrp="1"/>
-          </p:cNvSpPr>
-          <p:nvPr>
-            <p:ph type="title"/>
-          </p:nvPr>
-        </p:nvSpPr>
-        <p:spPr/>
-        <p:txBody>
-          <a:bodyPr/>
-          <a:lstStyle/>
-          <a:p>
-            <a:r>
-              <a:rPr lang="en-US"/>
-              <a:t>4.</a:t>
-            </a:r>
-          </a:p>
-        </p:txBody>
-      </p:sp>
-      <p:sp>
-        <p:nvSpPr>
-          <p:cNvPr id="3" name="Content Placeholder 2"/>
-          <p:cNvSpPr>
-            <a:spLocks noGrp="1"/>
-          </p:cNvSpPr>
-          <p:nvPr>
-            <p:ph idx="1"/>
-          </p:nvPr>
-        </p:nvSpPr>
-        <p:spPr/>
-        <p:txBody>
-          <a:bodyPr vert="horz" lIns="91440" tIns="45720" rIns="91440" bIns="45720" rtlCol="0" anchor="t">
-            <a:normAutofit/>
-          </a:bodyPr>
-          <a:lstStyle/>
-          <a:p>
-            <a:r>
-              <a:rPr lang="en-US"/>
-              <a:t>Style and format</a:t>
-            </a:r>
-          </a:p>
-          <a:p>
-            <a:endParaRPr lang="en-US">
-              <a:solidFill>
-                <a:srgbClr val="000000"/>
-              </a:solidFill>
-              <a:latin typeface="Calibri"/>
-            </a:endParaRPr>
-          </a:p>
-        </p:txBody>
-      </p:sp>
-      <p:pic>
-        <p:nvPicPr>
-          <p:cNvPr id="4" name="Picture 3"/>
-          <p:cNvPicPr>
-            <a:picLocks noChangeAspect="1"/>
-          </p:cNvPicPr>
-          <p:nvPr/>
-        </p:nvPicPr>
-        <p:blipFill>
-          <a:blip r:embed="rId2"/>
-          <a:stretch>
-            <a:fillRect/>
-          </a:stretch>
-        </p:blipFill>
-        <p:spPr>
-          <a:xfrm>
-            <a:off x="7961755" y="1409752"/>
-            <a:ext cx="3172302" cy="4656374"/>
-          </a:xfrm>
-          <a:prstGeom prst="rect">
-            <a:avLst/>
-          </a:prstGeom>
-        </p:spPr>
-      </p:pic>
-    </p:spTree>
-    <p:extLst>
-      <p:ext uri="{BB962C8B-B14F-4D97-AF65-F5344CB8AC3E}">
-        <p14:creationId xmlns:p14="http://schemas.microsoft.com/office/powerpoint/2010/main" val="4245954590"/>
-      </p:ext>
-    </p:extLst>
-  </p:cSld>
-  <p:clrMapOvr>
-    <a:masterClrMapping/>
-  </p:clrMapOvr>
+  <p:timing>
+    <p:tnLst>
+      <p:par>
+        <p:cTn id="1" dur="indefinite" restart="never" nodeType="tmRoot"/>
+      </p:par>
+    </p:tnLst>
+  </p:timing>
 </p:sld>
 </file>
 
@@ -8176,56 +8857,62 @@
           <a:lstStyle/>
           <a:p>
             <a:r>
+              <a:rPr lang="en-US" dirty="0"/>
+              <a:t>4.</a:t>
+            </a:r>
+          </a:p>
+        </p:txBody>
+      </p:sp>
+      <p:sp>
+        <p:nvSpPr>
+          <p:cNvPr id="3" name="Content Placeholder 2"/>
+          <p:cNvSpPr>
+            <a:spLocks noGrp="1"/>
+          </p:cNvSpPr>
+          <p:nvPr>
+            <p:ph idx="1"/>
+          </p:nvPr>
+        </p:nvSpPr>
+        <p:spPr/>
+        <p:txBody>
+          <a:bodyPr vert="horz" lIns="91440" tIns="45720" rIns="91440" bIns="45720" rtlCol="0" anchor="t">
+            <a:normAutofit/>
+          </a:bodyPr>
+          <a:lstStyle/>
+          <a:p>
+            <a:r>
               <a:rPr lang="en-US"/>
-              <a:t>5.</a:t>
-            </a:r>
+              <a:t>Style and format</a:t>
+            </a:r>
+          </a:p>
+          <a:p>
+            <a:endParaRPr lang="en-US">
+              <a:solidFill>
+                <a:srgbClr val="000000"/>
+              </a:solidFill>
+              <a:latin typeface="Calibri"/>
+            </a:endParaRPr>
           </a:p>
         </p:txBody>
       </p:sp>
       <p:pic>
         <p:nvPicPr>
-          <p:cNvPr id="4" name="Picture 4"/>
-          <p:cNvPicPr>
-            <a:picLocks noGrp="1" noChangeAspect="1"/>
-          </p:cNvPicPr>
-          <p:nvPr>
-            <p:ph idx="1"/>
-          </p:nvPr>
-        </p:nvPicPr>
-        <p:blipFill>
-          <a:blip r:embed="rId3"/>
-          <a:stretch>
-            <a:fillRect/>
-          </a:stretch>
-        </p:blipFill>
-        <p:spPr>
-          <a:xfrm>
-            <a:off x="9570895" y="2438400"/>
-            <a:ext cx="2623294" cy="4351338"/>
-          </a:xfrm>
-          <a:prstGeom prst="rect">
-            <a:avLst/>
-          </a:prstGeom>
-        </p:spPr>
-      </p:pic>
-      <p:pic>
-        <p:nvPicPr>
-          <p:cNvPr id="6" name="Picture 6"/>
+          <p:cNvPr id="4" name="Picture 3"/>
           <p:cNvPicPr>
             <a:picLocks noChangeAspect="1"/>
           </p:cNvPicPr>
           <p:nvPr/>
         </p:nvPicPr>
         <p:blipFill>
-          <a:blip r:embed="rId4"/>
+          <a:blip r:embed="rId2"/>
           <a:stretch>
             <a:fillRect/>
           </a:stretch>
         </p:blipFill>
         <p:spPr>
           <a:xfrm>
-            <a:off x="7641960" y="3254142"/>
-            <a:ext cx="1924050" cy="3600450"/>
+            <a:off x="7961755" y="1409752"/>
+            <a:ext cx="3172302" cy="4656374"/>
           </a:xfrm>
           <a:prstGeom prst="rect">
             <a:avLst/>
@@ -8234,28 +8921,138 @@
       </p:pic>
       <p:pic>
         <p:nvPicPr>
-          <p:cNvPr id="10" name="Picture 10"/>
+          <p:cNvPr id="5" name="Picture 4"/>
           <p:cNvPicPr>
             <a:picLocks noChangeAspect="1"/>
           </p:cNvPicPr>
           <p:nvPr/>
         </p:nvPicPr>
         <p:blipFill>
-          <a:blip r:embed="rId5"/>
+          <a:blip r:embed="rId3">
+            <a:extLst>
+              <a:ext uri="{28A0092B-C50C-407E-A947-70E740481C1C}">
+                <a14:useLocalDpi xmlns:a14="http://schemas.microsoft.com/office/drawing/2010/main" val="0"/>
+              </a:ext>
+            </a:extLst>
+          </a:blip>
           <a:stretch>
             <a:fillRect/>
           </a:stretch>
         </p:blipFill>
         <p:spPr>
           <a:xfrm>
-            <a:off x="5407344" y="2885326"/>
-            <a:ext cx="2238375" cy="3971925"/>
+            <a:off x="5042309" y="1409752"/>
+            <a:ext cx="2831298" cy="4656374"/>
           </a:xfrm>
           <a:prstGeom prst="rect">
             <a:avLst/>
           </a:prstGeom>
         </p:spPr>
       </p:pic>
+      <p:pic>
+        <p:nvPicPr>
+          <p:cNvPr id="6" name="Picture 5"/>
+          <p:cNvPicPr>
+            <a:picLocks noChangeAspect="1"/>
+          </p:cNvPicPr>
+          <p:nvPr/>
+        </p:nvPicPr>
+        <p:blipFill>
+          <a:blip r:embed="rId4">
+            <a:extLst>
+              <a:ext uri="{28A0092B-C50C-407E-A947-70E740481C1C}">
+                <a14:useLocalDpi xmlns:a14="http://schemas.microsoft.com/office/drawing/2010/main" val="0"/>
+              </a:ext>
+            </a:extLst>
+          </a:blip>
+          <a:stretch>
+            <a:fillRect/>
+          </a:stretch>
+        </p:blipFill>
+        <p:spPr>
+          <a:xfrm>
+            <a:off x="1456944" y="1409752"/>
+            <a:ext cx="3245344" cy="4656374"/>
+          </a:xfrm>
+          <a:prstGeom prst="rect">
+            <a:avLst/>
+          </a:prstGeom>
+        </p:spPr>
+      </p:pic>
+      <p:cxnSp>
+        <p:nvCxnSpPr>
+          <p:cNvPr id="8" name="Straight Arrow Connector 7"/>
+          <p:cNvCxnSpPr/>
+          <p:nvPr/>
+        </p:nvCxnSpPr>
+        <p:spPr>
+          <a:xfrm flipH="1">
+            <a:off x="3127873" y="4975761"/>
+            <a:ext cx="90340" cy="843148"/>
+          </a:xfrm>
+          <a:prstGeom prst="straightConnector1">
+            <a:avLst/>
+          </a:prstGeom>
+          <a:ln w="92075">
+            <a:solidFill>
+              <a:srgbClr val="FF0000"/>
+            </a:solidFill>
+            <a:tailEnd type="triangle"/>
+          </a:ln>
+        </p:spPr>
+        <p:style>
+          <a:lnRef idx="1">
+            <a:schemeClr val="accent1"/>
+          </a:lnRef>
+          <a:fillRef idx="0">
+            <a:schemeClr val="accent1"/>
+          </a:fillRef>
+          <a:effectRef idx="0">
+            <a:schemeClr val="accent1"/>
+          </a:effectRef>
+          <a:fontRef idx="minor">
+            <a:schemeClr val="tx1"/>
+          </a:fontRef>
+        </p:style>
+      </p:cxnSp>
+      <p:sp>
+        <p:nvSpPr>
+          <p:cNvPr id="10" name="TextBox 9"/>
+          <p:cNvSpPr txBox="1"/>
+          <p:nvPr/>
+        </p:nvSpPr>
+        <p:spPr>
+          <a:xfrm>
+            <a:off x="1923803" y="4514096"/>
+            <a:ext cx="3746015" cy="461665"/>
+          </a:xfrm>
+          <a:prstGeom prst="rect">
+            <a:avLst/>
+          </a:prstGeom>
+          <a:noFill/>
+        </p:spPr>
+        <p:txBody>
+          <a:bodyPr wrap="square" rtlCol="0">
+            <a:spAutoFit/>
+          </a:bodyPr>
+          <a:lstStyle/>
+          <a:p>
+            <a:r>
+              <a:rPr lang="en-US" sz="2400" b="1" dirty="0" smtClean="0">
+                <a:solidFill>
+                  <a:srgbClr val="FF0000"/>
+                </a:solidFill>
+              </a:rPr>
+              <a:t>Add Push Notifications?</a:t>
+            </a:r>
+            <a:endParaRPr lang="en-US" sz="2400" b="1" dirty="0">
+              <a:solidFill>
+                <a:srgbClr val="FF0000"/>
+              </a:solidFill>
+            </a:endParaRPr>
+          </a:p>
+        </p:txBody>
+      </p:sp>
       <p:sp>
         <p:nvSpPr>
           <p:cNvPr id="12" name="TextBox 11"/>
@@ -8264,174 +9061,248 @@
         </p:nvSpPr>
         <p:spPr>
           <a:xfrm>
-            <a:off x="400050" y="1692275"/>
-            <a:ext cx="4091623" cy="4524315"/>
+            <a:off x="3546018" y="98586"/>
+            <a:ext cx="6036271" cy="1200329"/>
           </a:xfrm>
           <a:prstGeom prst="rect">
             <a:avLst/>
           </a:prstGeom>
-        </p:spPr>
-        <p:txBody>
-          <a:bodyPr rot="0" spcFirstLastPara="0" vertOverflow="overflow" horzOverflow="overflow" vert="horz" wrap="square" lIns="91440" tIns="45720" rIns="91440" bIns="45720" numCol="1" spcCol="0" rtlCol="0" fromWordArt="0" anchor="t" anchorCtr="0" forceAA="0" compatLnSpc="1">
-            <a:prstTxWarp prst="textNoShape">
-              <a:avLst/>
-            </a:prstTxWarp>
+          <a:noFill/>
+        </p:spPr>
+        <p:txBody>
+          <a:bodyPr wrap="square" rtlCol="0">
             <a:spAutoFit/>
           </a:bodyPr>
           <a:lstStyle/>
           <a:p>
             <a:r>
-              <a:rPr lang="en-US"/>
-              <a:t>-Current Sample landing pages</a:t>
-            </a:r>
-          </a:p>
-          <a:p>
-            <a:endParaRPr lang="en-US"/>
-          </a:p>
-          <a:p>
-            <a:r>
-              <a:rPr lang="en-US"/>
-              <a:t>- Think its important to have a different layout than the landing page to avoid confusion in app</a:t>
-            </a:r>
-          </a:p>
-          <a:p>
-            <a:endParaRPr lang="en-US"/>
-          </a:p>
-          <a:p>
-            <a:r>
-              <a:rPr lang="en-US"/>
-              <a:t>- All options in final consideration would use progress bar like example 2</a:t>
-            </a:r>
-          </a:p>
-          <a:p>
-            <a:endParaRPr lang="en-US"/>
-          </a:p>
-          <a:p>
-            <a:r>
-              <a:rPr lang="en-US"/>
-              <a:t>- example 2 current favorite</a:t>
-            </a:r>
-          </a:p>
-          <a:p>
-            <a:endParaRPr lang="en-US"/>
-          </a:p>
-          <a:p>
-            <a:r>
-              <a:rPr lang="en-US"/>
-              <a:t>- style and layout </a:t>
-            </a:r>
-          </a:p>
-          <a:p>
-            <a:endParaRPr lang="en-US"/>
-          </a:p>
-          <a:p>
-            <a:r>
-              <a:rPr lang="en-US"/>
-              <a:t>- have not nailed down what we want each option/how many options to be on this screen</a:t>
-            </a:r>
-          </a:p>
-        </p:txBody>
-      </p:sp>
-      <p:sp>
-        <p:nvSpPr>
-          <p:cNvPr id="13" name="TextBox 12"/>
-          <p:cNvSpPr txBox="1"/>
+              <a:rPr lang="en-US" sz="2400" b="1" dirty="0" smtClean="0">
+                <a:solidFill>
+                  <a:schemeClr val="accent1">
+                    <a:lumMod val="75000"/>
+                  </a:schemeClr>
+                </a:solidFill>
+              </a:rPr>
+              <a:t>Note: Default data feed. This is the screen that you see immediately after successful login</a:t>
+            </a:r>
+            <a:endParaRPr lang="en-US" sz="2400" b="1" dirty="0">
+              <a:solidFill>
+                <a:schemeClr val="accent1">
+                  <a:lumMod val="75000"/>
+                </a:schemeClr>
+              </a:solidFill>
+            </a:endParaRPr>
+          </a:p>
+        </p:txBody>
+      </p:sp>
+      <p:cxnSp>
+        <p:nvCxnSpPr>
+          <p:cNvPr id="13" name="Straight Arrow Connector 12"/>
+          <p:cNvCxnSpPr/>
           <p:nvPr/>
-        </p:nvSpPr>
-        <p:spPr>
-          <a:xfrm>
-            <a:off x="4268429" y="2581275"/>
-            <a:ext cx="2743200" cy="369332"/>
+        </p:nvCxnSpPr>
+        <p:spPr>
+          <a:xfrm flipH="1">
+            <a:off x="2401499" y="1230236"/>
+            <a:ext cx="1137348" cy="1198931"/>
+          </a:xfrm>
+          <a:prstGeom prst="straightConnector1">
+            <a:avLst/>
+          </a:prstGeom>
+          <a:ln w="92075">
+            <a:solidFill>
+              <a:schemeClr val="accent1">
+                <a:lumMod val="75000"/>
+              </a:schemeClr>
+            </a:solidFill>
+            <a:tailEnd type="triangle"/>
+          </a:ln>
+        </p:spPr>
+        <p:style>
+          <a:lnRef idx="1">
+            <a:schemeClr val="accent1"/>
+          </a:lnRef>
+          <a:fillRef idx="0">
+            <a:schemeClr val="accent1"/>
+          </a:fillRef>
+          <a:effectRef idx="0">
+            <a:schemeClr val="accent1"/>
+          </a:effectRef>
+          <a:fontRef idx="minor">
+            <a:schemeClr val="tx1"/>
+          </a:fontRef>
+        </p:style>
+      </p:cxnSp>
+      <p:sp>
+        <p:nvSpPr>
+          <p:cNvPr id="15" name="Rectangle 14"/>
+          <p:cNvSpPr/>
+          <p:nvPr/>
+        </p:nvSpPr>
+        <p:spPr>
+          <a:xfrm>
+            <a:off x="7961755" y="1947860"/>
+            <a:ext cx="3082297" cy="1127849"/>
           </a:xfrm>
           <a:prstGeom prst="rect">
             <a:avLst/>
           </a:prstGeom>
-        </p:spPr>
-        <p:txBody>
-          <a:bodyPr rot="0" spcFirstLastPara="0" vertOverflow="overflow" horzOverflow="overflow" vert="horz" wrap="square" lIns="91440" tIns="45720" rIns="91440" bIns="45720" numCol="1" spcCol="0" rtlCol="0" fromWordArt="0" anchor="t" anchorCtr="0" forceAA="0" compatLnSpc="1">
-            <a:prstTxWarp prst="textNoShape">
-              <a:avLst/>
-            </a:prstTxWarp>
-            <a:spAutoFit/>
-          </a:bodyPr>
+          <a:noFill/>
+          <a:ln w="63500">
+            <a:solidFill>
+              <a:srgbClr val="FF0000"/>
+            </a:solidFill>
+          </a:ln>
+        </p:spPr>
+        <p:style>
+          <a:lnRef idx="2">
+            <a:schemeClr val="accent1">
+              <a:shade val="50000"/>
+            </a:schemeClr>
+          </a:lnRef>
+          <a:fillRef idx="1">
+            <a:schemeClr val="accent1"/>
+          </a:fillRef>
+          <a:effectRef idx="0">
+            <a:schemeClr val="accent1"/>
+          </a:effectRef>
+          <a:fontRef idx="minor">
+            <a:schemeClr val="lt1"/>
+          </a:fontRef>
+        </p:style>
+        <p:txBody>
+          <a:bodyPr rtlCol="0" anchor="ctr"/>
           <a:lstStyle/>
           <a:p>
             <a:pPr algn="ctr"/>
-            <a:r>
-              <a:rPr lang="en-US" b="1"/>
-              <a:t>1.</a:t>
-            </a:r>
-          </a:p>
-        </p:txBody>
-      </p:sp>
-      <p:sp>
-        <p:nvSpPr>
-          <p:cNvPr id="14" name="TextBox 13"/>
-          <p:cNvSpPr txBox="1"/>
+            <a:endParaRPr lang="en-US"/>
+          </a:p>
+        </p:txBody>
+      </p:sp>
+      <p:sp>
+        <p:nvSpPr>
+          <p:cNvPr id="17" name="Rectangle 16"/>
+          <p:cNvSpPr/>
           <p:nvPr/>
         </p:nvSpPr>
         <p:spPr>
           <a:xfrm>
-            <a:off x="6440755" y="2950091"/>
-            <a:ext cx="2743200" cy="369332"/>
+            <a:off x="7961755" y="4120336"/>
+            <a:ext cx="3082297" cy="1945790"/>
           </a:xfrm>
           <a:prstGeom prst="rect">
             <a:avLst/>
           </a:prstGeom>
-        </p:spPr>
-        <p:txBody>
-          <a:bodyPr rot="0" spcFirstLastPara="0" vertOverflow="overflow" horzOverflow="overflow" vert="horz" wrap="square" lIns="91440" tIns="45720" rIns="91440" bIns="45720" numCol="1" spcCol="0" rtlCol="0" fromWordArt="0" anchor="t" anchorCtr="0" forceAA="0" compatLnSpc="1">
-            <a:prstTxWarp prst="textNoShape">
-              <a:avLst/>
-            </a:prstTxWarp>
-            <a:spAutoFit/>
-          </a:bodyPr>
+          <a:noFill/>
+          <a:ln w="63500">
+            <a:solidFill>
+              <a:srgbClr val="FF0000"/>
+            </a:solidFill>
+          </a:ln>
+        </p:spPr>
+        <p:style>
+          <a:lnRef idx="2">
+            <a:schemeClr val="accent1">
+              <a:shade val="50000"/>
+            </a:schemeClr>
+          </a:lnRef>
+          <a:fillRef idx="1">
+            <a:schemeClr val="accent1"/>
+          </a:fillRef>
+          <a:effectRef idx="0">
+            <a:schemeClr val="accent1"/>
+          </a:effectRef>
+          <a:fontRef idx="minor">
+            <a:schemeClr val="lt1"/>
+          </a:fontRef>
+        </p:style>
+        <p:txBody>
+          <a:bodyPr rtlCol="0" anchor="ctr"/>
           <a:lstStyle/>
           <a:p>
             <a:pPr algn="ctr"/>
-            <a:r>
-              <a:rPr lang="en-US" b="1"/>
-              <a:t>2.</a:t>
-            </a:r>
-          </a:p>
-        </p:txBody>
-      </p:sp>
-      <p:sp>
-        <p:nvSpPr>
-          <p:cNvPr id="15" name="TextBox 14"/>
+            <a:endParaRPr lang="en-US"/>
+          </a:p>
+        </p:txBody>
+      </p:sp>
+      <p:sp>
+        <p:nvSpPr>
+          <p:cNvPr id="18" name="TextBox 17"/>
           <p:cNvSpPr txBox="1"/>
           <p:nvPr/>
         </p:nvSpPr>
         <p:spPr>
           <a:xfrm>
-            <a:off x="8346304" y="2138045"/>
-            <a:ext cx="2743200" cy="369332"/>
+            <a:off x="9310255" y="365125"/>
+            <a:ext cx="1947553" cy="646331"/>
           </a:xfrm>
           <a:prstGeom prst="rect">
             <a:avLst/>
           </a:prstGeom>
-        </p:spPr>
-        <p:txBody>
-          <a:bodyPr rot="0" spcFirstLastPara="0" vertOverflow="overflow" horzOverflow="overflow" vert="horz" wrap="square" lIns="91440" tIns="45720" rIns="91440" bIns="45720" numCol="1" spcCol="0" rtlCol="0" fromWordArt="0" anchor="t" anchorCtr="0" forceAA="0" compatLnSpc="1">
-            <a:prstTxWarp prst="textNoShape">
-              <a:avLst/>
-            </a:prstTxWarp>
+          <a:noFill/>
+        </p:spPr>
+        <p:txBody>
+          <a:bodyPr wrap="square" rtlCol="0">
             <a:spAutoFit/>
           </a:bodyPr>
           <a:lstStyle/>
           <a:p>
-            <a:pPr algn="ctr"/>
-            <a:r>
-              <a:rPr lang="en-US" b="1"/>
-              <a:t>3.</a:t>
-            </a:r>
-          </a:p>
-        </p:txBody>
-      </p:sp>
+            <a:r>
+              <a:rPr lang="en-US" i="1" dirty="0" smtClean="0">
+                <a:solidFill>
+                  <a:srgbClr val="FF0000"/>
+                </a:solidFill>
+              </a:rPr>
+              <a:t>Note: All are part of profile.</a:t>
+            </a:r>
+            <a:endParaRPr lang="en-US" i="1" dirty="0">
+              <a:solidFill>
+                <a:srgbClr val="FF0000"/>
+              </a:solidFill>
+            </a:endParaRPr>
+          </a:p>
+        </p:txBody>
+      </p:sp>
+      <p:cxnSp>
+        <p:nvCxnSpPr>
+          <p:cNvPr id="19" name="Straight Arrow Connector 18"/>
+          <p:cNvCxnSpPr/>
+          <p:nvPr/>
+        </p:nvCxnSpPr>
+        <p:spPr>
+          <a:xfrm flipH="1">
+            <a:off x="9813240" y="1043595"/>
+            <a:ext cx="90340" cy="843148"/>
+          </a:xfrm>
+          <a:prstGeom prst="straightConnector1">
+            <a:avLst/>
+          </a:prstGeom>
+          <a:ln w="92075">
+            <a:solidFill>
+              <a:srgbClr val="FF0000"/>
+            </a:solidFill>
+            <a:tailEnd type="triangle"/>
+          </a:ln>
+        </p:spPr>
+        <p:style>
+          <a:lnRef idx="1">
+            <a:schemeClr val="accent1"/>
+          </a:lnRef>
+          <a:fillRef idx="0">
+            <a:schemeClr val="accent1"/>
+          </a:fillRef>
+          <a:effectRef idx="0">
+            <a:schemeClr val="accent1"/>
+          </a:effectRef>
+          <a:fontRef idx="minor">
+            <a:schemeClr val="tx1"/>
+          </a:fontRef>
+        </p:style>
+      </p:cxnSp>
     </p:spTree>
     <p:extLst>
       <p:ext uri="{BB962C8B-B14F-4D97-AF65-F5344CB8AC3E}">
-        <p14:creationId xmlns:p14="http://schemas.microsoft.com/office/powerpoint/2010/main" val="658822493"/>
+        <p14:creationId xmlns:p14="http://schemas.microsoft.com/office/powerpoint/2010/main" val="4245954590"/>
       </p:ext>
     </p:extLst>
   </p:cSld>
@@ -8475,14 +9346,8 @@
           <a:p>
             <a:r>
               <a:rPr lang="en-US"/>
-              <a:t>6. 1/5  </a:t>
-            </a:r>
-            <a:endParaRPr lang="en-US">
-              <a:solidFill>
-                <a:srgbClr val="000000"/>
-              </a:solidFill>
-              <a:latin typeface="Calibri Light"/>
-            </a:endParaRPr>
+              <a:t>5.</a:t>
+            </a:r>
           </a:p>
         </p:txBody>
       </p:sp>
@@ -8504,8 +9369,8 @@
         </p:blipFill>
         <p:spPr>
           <a:xfrm>
-            <a:off x="9623021" y="1809750"/>
-            <a:ext cx="2436228" cy="4351338"/>
+            <a:off x="9570895" y="2438400"/>
+            <a:ext cx="2623294" cy="4351338"/>
           </a:xfrm>
           <a:prstGeom prst="rect">
             <a:avLst/>
@@ -8528,24 +9393,48 @@
         </p:blipFill>
         <p:spPr>
           <a:xfrm>
-            <a:off x="7298252" y="1809750"/>
-            <a:ext cx="2286000" cy="4114800"/>
+            <a:off x="7641960" y="3254142"/>
+            <a:ext cx="1924050" cy="3600450"/>
           </a:xfrm>
           <a:prstGeom prst="rect">
             <a:avLst/>
           </a:prstGeom>
         </p:spPr>
       </p:pic>
-      <p:sp>
-        <p:nvSpPr>
-          <p:cNvPr id="13" name="TextBox 12"/>
+      <p:pic>
+        <p:nvPicPr>
+          <p:cNvPr id="10" name="Picture 10"/>
+          <p:cNvPicPr>
+            <a:picLocks noChangeAspect="1"/>
+          </p:cNvPicPr>
+          <p:nvPr/>
+        </p:nvPicPr>
+        <p:blipFill>
+          <a:blip r:embed="rId5"/>
+          <a:stretch>
+            <a:fillRect/>
+          </a:stretch>
+        </p:blipFill>
+        <p:spPr>
+          <a:xfrm>
+            <a:off x="5407344" y="2885326"/>
+            <a:ext cx="2238375" cy="3971925"/>
+          </a:xfrm>
+          <a:prstGeom prst="rect">
+            <a:avLst/>
+          </a:prstGeom>
+        </p:spPr>
+      </p:pic>
+      <p:sp>
+        <p:nvSpPr>
+          <p:cNvPr id="12" name="TextBox 11"/>
           <p:cNvSpPr txBox="1"/>
           <p:nvPr/>
         </p:nvSpPr>
         <p:spPr>
           <a:xfrm>
-            <a:off x="6097976" y="1476375"/>
-            <a:ext cx="2743200" cy="369332"/>
+            <a:off x="400050" y="1692275"/>
+            <a:ext cx="4091623" cy="4524315"/>
           </a:xfrm>
           <a:prstGeom prst="rect">
             <a:avLst/>
@@ -8560,23 +9449,67 @@
           </a:bodyPr>
           <a:lstStyle/>
           <a:p>
-            <a:pPr algn="ctr"/>
-            <a:r>
-              <a:rPr lang="en-US" b="1"/>
-              <a:t>1.</a:t>
-            </a:r>
-          </a:p>
-        </p:txBody>
-      </p:sp>
-      <p:sp>
-        <p:nvSpPr>
-          <p:cNvPr id="15" name="TextBox 14"/>
+            <a:r>
+              <a:rPr lang="en-US"/>
+              <a:t>-Current Sample landing pages</a:t>
+            </a:r>
+          </a:p>
+          <a:p>
+            <a:endParaRPr lang="en-US"/>
+          </a:p>
+          <a:p>
+            <a:r>
+              <a:rPr lang="en-US"/>
+              <a:t>- Think its important to have a different layout than the landing page to avoid confusion in app</a:t>
+            </a:r>
+          </a:p>
+          <a:p>
+            <a:endParaRPr lang="en-US"/>
+          </a:p>
+          <a:p>
+            <a:r>
+              <a:rPr lang="en-US"/>
+              <a:t>- All options in final consideration would use progress bar like example 2</a:t>
+            </a:r>
+          </a:p>
+          <a:p>
+            <a:endParaRPr lang="en-US"/>
+          </a:p>
+          <a:p>
+            <a:r>
+              <a:rPr lang="en-US"/>
+              <a:t>- example 2 current favorite</a:t>
+            </a:r>
+          </a:p>
+          <a:p>
+            <a:endParaRPr lang="en-US"/>
+          </a:p>
+          <a:p>
+            <a:r>
+              <a:rPr lang="en-US"/>
+              <a:t>- style and layout </a:t>
+            </a:r>
+          </a:p>
+          <a:p>
+            <a:endParaRPr lang="en-US"/>
+          </a:p>
+          <a:p>
+            <a:r>
+              <a:rPr lang="en-US"/>
+              <a:t>- have not nailed down what we want each option/how many options to be on this screen</a:t>
+            </a:r>
+          </a:p>
+        </p:txBody>
+      </p:sp>
+      <p:sp>
+        <p:nvSpPr>
+          <p:cNvPr id="13" name="TextBox 12"/>
           <p:cNvSpPr txBox="1"/>
           <p:nvPr/>
         </p:nvSpPr>
         <p:spPr>
           <a:xfrm>
-            <a:off x="8441910" y="1508454"/>
+            <a:off x="4268429" y="2581275"/>
             <a:ext cx="2743200" cy="369332"/>
           </a:xfrm>
           <a:prstGeom prst="rect">
@@ -8595,21 +9528,21 @@
             <a:pPr algn="ctr"/>
             <a:r>
               <a:rPr lang="en-US" b="1"/>
-              <a:t>2.</a:t>
-            </a:r>
-          </a:p>
-        </p:txBody>
-      </p:sp>
-      <p:sp>
-        <p:nvSpPr>
-          <p:cNvPr id="16" name="TextBox 15"/>
+              <a:t>1.</a:t>
+            </a:r>
+          </a:p>
+        </p:txBody>
+      </p:sp>
+      <p:sp>
+        <p:nvSpPr>
+          <p:cNvPr id="14" name="TextBox 13"/>
           <p:cNvSpPr txBox="1"/>
           <p:nvPr/>
         </p:nvSpPr>
         <p:spPr>
           <a:xfrm>
-            <a:off x="447675" y="1762125"/>
-            <a:ext cx="6261743" cy="3970318"/>
+            <a:off x="6440755" y="2950091"/>
+            <a:ext cx="2743200" cy="369332"/>
           </a:xfrm>
           <a:prstGeom prst="rect">
             <a:avLst/>
@@ -8624,133 +9557,42 @@
           </a:bodyPr>
           <a:lstStyle/>
           <a:p>
-            <a:r>
-              <a:rPr lang="en-US">
-                <a:solidFill>
-                  <a:srgbClr val="000000"/>
-                </a:solidFill>
-                <a:latin typeface="Calibri"/>
-              </a:rPr>
-              <a:t>- "6" is broken into 5 screens each viewed one after the next in chronological order</a:t>
-            </a:r>
-          </a:p>
-          <a:p>
-            <a:endParaRPr lang="en-US">
-              <a:solidFill>
-                <a:srgbClr val="000000"/>
-              </a:solidFill>
-              <a:latin typeface="Calibri"/>
-            </a:endParaRPr>
-          </a:p>
-          <a:p>
-            <a:r>
-              <a:rPr lang="en-US">
-                <a:solidFill>
-                  <a:srgbClr val="000000"/>
-                </a:solidFill>
-                <a:latin typeface="Calibri"/>
-              </a:rPr>
-              <a:t>- The ability to cascade all screens in the "6" chain based on completion/progress?</a:t>
-            </a:r>
-            <a:endParaRPr lang="en-US">
-              <a:latin typeface="Calibri"/>
-            </a:endParaRPr>
-          </a:p>
-          <a:p>
-            <a:endParaRPr lang="en-US">
-              <a:solidFill>
-                <a:srgbClr val="000000"/>
-              </a:solidFill>
-              <a:latin typeface="Calibri"/>
-            </a:endParaRPr>
-          </a:p>
-          <a:p>
-            <a:r>
-              <a:rPr lang="en-US">
-                <a:solidFill>
-                  <a:srgbClr val="000000"/>
-                </a:solidFill>
-                <a:latin typeface="Calibri"/>
-              </a:rPr>
-              <a:t>- All screens on 6 will include the "</a:t>
-            </a:r>
-            <a:r>
-              <a:rPr lang="en-US" err="1">
-                <a:solidFill>
-                  <a:srgbClr val="000000"/>
-                </a:solidFill>
-                <a:latin typeface="Calibri"/>
-              </a:rPr>
-              <a:t>i</a:t>
-            </a:r>
-            <a:r>
-              <a:rPr lang="en-US">
-                <a:solidFill>
-                  <a:srgbClr val="000000"/>
-                </a:solidFill>
-                <a:latin typeface="Calibri"/>
-              </a:rPr>
-              <a:t>" icon which users can click to see exactly how we want each screen to be filled</a:t>
-            </a:r>
-            <a:endParaRPr lang="en-US">
-              <a:latin typeface="Calibri"/>
-            </a:endParaRPr>
-          </a:p>
-          <a:p>
-            <a:endParaRPr lang="en-US">
-              <a:solidFill>
-                <a:srgbClr val="000000"/>
-              </a:solidFill>
-              <a:latin typeface="Calibri"/>
-            </a:endParaRPr>
-          </a:p>
-          <a:p>
-            <a:r>
-              <a:rPr lang="en-US">
-                <a:solidFill>
-                  <a:srgbClr val="000000"/>
-                </a:solidFill>
-                <a:latin typeface="Calibri"/>
-              </a:rPr>
-              <a:t>- All screens will have progress bar</a:t>
-            </a:r>
-          </a:p>
-          <a:p>
-            <a:endParaRPr lang="en-US">
-              <a:solidFill>
-                <a:srgbClr val="000000"/>
-              </a:solidFill>
-              <a:latin typeface="Calibri"/>
-            </a:endParaRPr>
-          </a:p>
-          <a:p>
-            <a:r>
-              <a:rPr lang="en-US">
-                <a:solidFill>
-                  <a:srgbClr val="000000"/>
-                </a:solidFill>
-                <a:latin typeface="Calibri"/>
-              </a:rPr>
-              <a:t>- progress bar styling/coloring TBD</a:t>
-            </a:r>
-          </a:p>
-          <a:p>
-            <a:endParaRPr lang="en-US">
-              <a:solidFill>
-                <a:srgbClr val="000000"/>
-              </a:solidFill>
-              <a:latin typeface="Calibri"/>
-            </a:endParaRPr>
-          </a:p>
-          <a:p>
-            <a:r>
-              <a:rPr lang="en-US">
-                <a:solidFill>
-                  <a:srgbClr val="000000"/>
-                </a:solidFill>
-                <a:latin typeface="Calibri"/>
-              </a:rPr>
-              <a:t>- 1vs2 is whether or not we want to ask the addition information</a:t>
+            <a:pPr algn="ctr"/>
+            <a:r>
+              <a:rPr lang="en-US" b="1"/>
+              <a:t>2.</a:t>
+            </a:r>
+          </a:p>
+        </p:txBody>
+      </p:sp>
+      <p:sp>
+        <p:nvSpPr>
+          <p:cNvPr id="15" name="TextBox 14"/>
+          <p:cNvSpPr txBox="1"/>
+          <p:nvPr/>
+        </p:nvSpPr>
+        <p:spPr>
+          <a:xfrm>
+            <a:off x="8346304" y="2138045"/>
+            <a:ext cx="2743200" cy="369332"/>
+          </a:xfrm>
+          <a:prstGeom prst="rect">
+            <a:avLst/>
+          </a:prstGeom>
+        </p:spPr>
+        <p:txBody>
+          <a:bodyPr rot="0" spcFirstLastPara="0" vertOverflow="overflow" horzOverflow="overflow" vert="horz" wrap="square" lIns="91440" tIns="45720" rIns="91440" bIns="45720" numCol="1" spcCol="0" rtlCol="0" fromWordArt="0" anchor="t" anchorCtr="0" forceAA="0" compatLnSpc="1">
+            <a:prstTxWarp prst="textNoShape">
+              <a:avLst/>
+            </a:prstTxWarp>
+            <a:spAutoFit/>
+          </a:bodyPr>
+          <a:lstStyle/>
+          <a:p>
+            <a:pPr algn="ctr"/>
+            <a:r>
+              <a:rPr lang="en-US" b="1"/>
+              <a:t>3.</a:t>
             </a:r>
           </a:p>
         </p:txBody>
@@ -8758,7 +9600,7 @@
     </p:spTree>
     <p:extLst>
       <p:ext uri="{BB962C8B-B14F-4D97-AF65-F5344CB8AC3E}">
-        <p14:creationId xmlns:p14="http://schemas.microsoft.com/office/powerpoint/2010/main" val="4023332084"/>
+        <p14:creationId xmlns:p14="http://schemas.microsoft.com/office/powerpoint/2010/main" val="658822493"/>
       </p:ext>
     </p:extLst>
   </p:cSld>
